--- a/PDFs/DBMS/6-ER-to-Relational Mapping-25-01-2025.pptx
+++ b/PDFs/DBMS/6-ER-to-Relational Mapping-25-01-2025.pptx
@@ -5,56 +5,56 @@
     <p:sldMasterId id="2147483648" r:id="rId1"/>
   </p:sldMasterIdLst>
   <p:notesMasterIdLst>
-    <p:notesMasterId r:id="rId4"/>
+    <p:notesMasterId r:id="rId49"/>
   </p:notesMasterIdLst>
   <p:sldIdLst>
-    <p:sldId id="272" r:id="rId3"/>
-    <p:sldId id="361" r:id="rId5"/>
-    <p:sldId id="390" r:id="rId6"/>
-    <p:sldId id="391" r:id="rId7"/>
-    <p:sldId id="392" r:id="rId8"/>
-    <p:sldId id="402" r:id="rId9"/>
-    <p:sldId id="403" r:id="rId10"/>
-    <p:sldId id="404" r:id="rId11"/>
-    <p:sldId id="405" r:id="rId12"/>
-    <p:sldId id="406" r:id="rId13"/>
-    <p:sldId id="407" r:id="rId14"/>
-    <p:sldId id="416" r:id="rId15"/>
-    <p:sldId id="408" r:id="rId16"/>
-    <p:sldId id="409" r:id="rId17"/>
-    <p:sldId id="417" r:id="rId18"/>
-    <p:sldId id="418" r:id="rId19"/>
-    <p:sldId id="419" r:id="rId20"/>
-    <p:sldId id="410" r:id="rId21"/>
-    <p:sldId id="412" r:id="rId22"/>
-    <p:sldId id="413" r:id="rId23"/>
-    <p:sldId id="362" r:id="rId24"/>
-    <p:sldId id="363" r:id="rId25"/>
-    <p:sldId id="364" r:id="rId26"/>
-    <p:sldId id="365" r:id="rId27"/>
-    <p:sldId id="366" r:id="rId28"/>
-    <p:sldId id="367" r:id="rId29"/>
-    <p:sldId id="420" r:id="rId30"/>
-    <p:sldId id="369" r:id="rId31"/>
-    <p:sldId id="370" r:id="rId32"/>
-    <p:sldId id="371" r:id="rId33"/>
-    <p:sldId id="373" r:id="rId34"/>
-    <p:sldId id="372" r:id="rId35"/>
-    <p:sldId id="315" r:id="rId36"/>
-    <p:sldId id="316" r:id="rId37"/>
-    <p:sldId id="317" r:id="rId38"/>
-    <p:sldId id="318" r:id="rId39"/>
-    <p:sldId id="319" r:id="rId40"/>
-    <p:sldId id="320" r:id="rId41"/>
-    <p:sldId id="321" r:id="rId42"/>
-    <p:sldId id="322" r:id="rId43"/>
-    <p:sldId id="323" r:id="rId44"/>
-    <p:sldId id="324" r:id="rId45"/>
-    <p:sldId id="325" r:id="rId46"/>
-    <p:sldId id="311" r:id="rId47"/>
-    <p:sldId id="312" r:id="rId48"/>
-    <p:sldId id="313" r:id="rId49"/>
-    <p:sldId id="368" r:id="rId50"/>
+    <p:sldId id="272" r:id="rId2"/>
+    <p:sldId id="361" r:id="rId3"/>
+    <p:sldId id="390" r:id="rId4"/>
+    <p:sldId id="391" r:id="rId5"/>
+    <p:sldId id="392" r:id="rId6"/>
+    <p:sldId id="402" r:id="rId7"/>
+    <p:sldId id="403" r:id="rId8"/>
+    <p:sldId id="404" r:id="rId9"/>
+    <p:sldId id="405" r:id="rId10"/>
+    <p:sldId id="406" r:id="rId11"/>
+    <p:sldId id="407" r:id="rId12"/>
+    <p:sldId id="416" r:id="rId13"/>
+    <p:sldId id="408" r:id="rId14"/>
+    <p:sldId id="409" r:id="rId15"/>
+    <p:sldId id="417" r:id="rId16"/>
+    <p:sldId id="418" r:id="rId17"/>
+    <p:sldId id="419" r:id="rId18"/>
+    <p:sldId id="410" r:id="rId19"/>
+    <p:sldId id="412" r:id="rId20"/>
+    <p:sldId id="413" r:id="rId21"/>
+    <p:sldId id="362" r:id="rId22"/>
+    <p:sldId id="363" r:id="rId23"/>
+    <p:sldId id="364" r:id="rId24"/>
+    <p:sldId id="365" r:id="rId25"/>
+    <p:sldId id="366" r:id="rId26"/>
+    <p:sldId id="367" r:id="rId27"/>
+    <p:sldId id="420" r:id="rId28"/>
+    <p:sldId id="369" r:id="rId29"/>
+    <p:sldId id="370" r:id="rId30"/>
+    <p:sldId id="371" r:id="rId31"/>
+    <p:sldId id="373" r:id="rId32"/>
+    <p:sldId id="372" r:id="rId33"/>
+    <p:sldId id="315" r:id="rId34"/>
+    <p:sldId id="316" r:id="rId35"/>
+    <p:sldId id="317" r:id="rId36"/>
+    <p:sldId id="318" r:id="rId37"/>
+    <p:sldId id="319" r:id="rId38"/>
+    <p:sldId id="320" r:id="rId39"/>
+    <p:sldId id="321" r:id="rId40"/>
+    <p:sldId id="322" r:id="rId41"/>
+    <p:sldId id="323" r:id="rId42"/>
+    <p:sldId id="324" r:id="rId43"/>
+    <p:sldId id="325" r:id="rId44"/>
+    <p:sldId id="311" r:id="rId45"/>
+    <p:sldId id="312" r:id="rId46"/>
+    <p:sldId id="313" r:id="rId47"/>
+    <p:sldId id="368" r:id="rId48"/>
   </p:sldIdLst>
   <p:sldSz cx="12192000" cy="6858000"/>
   <p:notesSz cx="6858000" cy="9144000"/>
@@ -261,6 +261,7 @@
           <a:p>
             <a:fld id="{56C4383E-8854-4D6B-9D6A-3ED3370D46A0}" type="datetimeFigureOut">
               <a:rPr lang="en-IN" smtClean="0"/>
+              <a:t>29-01-2025</a:t>
             </a:fld>
             <a:endParaRPr lang="en-IN"/>
           </a:p>
@@ -327,7 +328,6 @@
               <a:rPr lang="en-US"/>
               <a:t>Click to edit Master text styles</a:t>
             </a:r>
-            <a:endParaRPr lang="en-US"/>
           </a:p>
           <a:p>
             <a:pPr lvl="1"/>
@@ -335,7 +335,6 @@
               <a:rPr lang="en-US"/>
               <a:t>Second level</a:t>
             </a:r>
-            <a:endParaRPr lang="en-US"/>
           </a:p>
           <a:p>
             <a:pPr lvl="2"/>
@@ -343,7 +342,6 @@
               <a:rPr lang="en-US"/>
               <a:t>Third level</a:t>
             </a:r>
-            <a:endParaRPr lang="en-US"/>
           </a:p>
           <a:p>
             <a:pPr lvl="3"/>
@@ -351,7 +349,6 @@
               <a:rPr lang="en-US"/>
               <a:t>Fourth level</a:t>
             </a:r>
-            <a:endParaRPr lang="en-US"/>
           </a:p>
           <a:p>
             <a:pPr lvl="4"/>
@@ -423,6 +420,7 @@
           <a:p>
             <a:fld id="{F8F142CE-04A8-41D4-AB3C-A3B57FA693B4}" type="slidenum">
               <a:rPr lang="en-IN" smtClean="0"/>
+              <a:t>‹#›</a:t>
             </a:fld>
             <a:endParaRPr lang="en-IN"/>
           </a:p>
@@ -591,6 +589,7 @@
           <a:p>
             <a:fld id="{B484906B-8E63-4D6F-B904-ACC0DA7E8624}" type="slidenum">
               <a:rPr lang="en-IN" smtClean="0"/>
+              <a:t>1</a:t>
             </a:fld>
             <a:endParaRPr lang="en-IN"/>
           </a:p>
@@ -613,11 +612,20 @@
         <p:cNvGrpSpPr/>
         <p:nvPr/>
       </p:nvGrpSpPr>
-      <p:grpSpPr/>
+      <p:grpSpPr>
+        <a:xfrm>
+          <a:off x="0" y="0"/>
+          <a:ext cx="0" cy="0"/>
+          <a:chOff x="0" y="0"/>
+          <a:chExt cx="0" cy="0"/>
+        </a:xfrm>
+      </p:grpSpPr>
       <p:sp>
         <p:nvSpPr>
           <p:cNvPr id="2" name="Slide Image Placeholder 1"/>
-          <p:cNvSpPr/>
+          <p:cNvSpPr>
+            <a:spLocks noGrp="1" noRot="1" noChangeAspect="1"/>
+          </p:cNvSpPr>
           <p:nvPr>
             <p:ph type="sldImg" idx="2"/>
           </p:nvPr>
@@ -627,7 +635,9 @@
       <p:sp>
         <p:nvSpPr>
           <p:cNvPr id="3" name="Text Placeholder 2"/>
-          <p:cNvSpPr/>
+          <p:cNvSpPr>
+            <a:spLocks noGrp="1"/>
+          </p:cNvSpPr>
           <p:nvPr>
             <p:ph type="body" idx="3"/>
           </p:nvPr>
@@ -635,12 +645,12 @@
         <p:spPr/>
         <p:txBody>
           <a:bodyPr/>
+          <a:lstStyle/>
           <a:p>
             <a:r>
               <a:rPr lang="en-US"/>
               <a:t>https://dextutor.com/conversion-of-e-r-diagram-into-relational-model/</a:t>
             </a:r>
-            <a:endParaRPr lang="en-US"/>
           </a:p>
         </p:txBody>
       </p:sp>
@@ -783,6 +793,7 @@
           <a:p>
             <a:fld id="{A35A6653-D10C-499F-8A49-AD8465B8A90C}" type="datetimeFigureOut">
               <a:rPr lang="en-IN" smtClean="0"/>
+              <a:t>29-01-2025</a:t>
             </a:fld>
             <a:endParaRPr lang="en-IN"/>
           </a:p>
@@ -824,6 +835,7 @@
           <a:p>
             <a:fld id="{85489B93-32F9-4A66-9597-4727DAF47ACE}" type="slidenum">
               <a:rPr lang="en-IN" smtClean="0"/>
+              <a:t>‹#›</a:t>
             </a:fld>
             <a:endParaRPr lang="en-IN"/>
           </a:p>
@@ -897,7 +909,6 @@
               <a:rPr lang="en-US"/>
               <a:t>Click to edit Master text styles</a:t>
             </a:r>
-            <a:endParaRPr lang="en-US"/>
           </a:p>
           <a:p>
             <a:pPr lvl="1"/>
@@ -905,7 +916,6 @@
               <a:rPr lang="en-US"/>
               <a:t>Second level</a:t>
             </a:r>
-            <a:endParaRPr lang="en-US"/>
           </a:p>
           <a:p>
             <a:pPr lvl="2"/>
@@ -913,7 +923,6 @@
               <a:rPr lang="en-US"/>
               <a:t>Third level</a:t>
             </a:r>
-            <a:endParaRPr lang="en-US"/>
           </a:p>
           <a:p>
             <a:pPr lvl="3"/>
@@ -921,7 +930,6 @@
               <a:rPr lang="en-US"/>
               <a:t>Fourth level</a:t>
             </a:r>
-            <a:endParaRPr lang="en-US"/>
           </a:p>
           <a:p>
             <a:pPr lvl="4"/>
@@ -950,6 +958,7 @@
           <a:p>
             <a:fld id="{A35A6653-D10C-499F-8A49-AD8465B8A90C}" type="datetimeFigureOut">
               <a:rPr lang="en-IN" smtClean="0"/>
+              <a:t>29-01-2025</a:t>
             </a:fld>
             <a:endParaRPr lang="en-IN"/>
           </a:p>
@@ -991,6 +1000,7 @@
           <a:p>
             <a:fld id="{85489B93-32F9-4A66-9597-4727DAF47ACE}" type="slidenum">
               <a:rPr lang="en-IN" smtClean="0"/>
+              <a:t>‹#›</a:t>
             </a:fld>
             <a:endParaRPr lang="en-IN"/>
           </a:p>
@@ -1074,7 +1084,6 @@
               <a:rPr lang="en-US"/>
               <a:t>Click to edit Master text styles</a:t>
             </a:r>
-            <a:endParaRPr lang="en-US"/>
           </a:p>
           <a:p>
             <a:pPr lvl="1"/>
@@ -1082,7 +1091,6 @@
               <a:rPr lang="en-US"/>
               <a:t>Second level</a:t>
             </a:r>
-            <a:endParaRPr lang="en-US"/>
           </a:p>
           <a:p>
             <a:pPr lvl="2"/>
@@ -1090,7 +1098,6 @@
               <a:rPr lang="en-US"/>
               <a:t>Third level</a:t>
             </a:r>
-            <a:endParaRPr lang="en-US"/>
           </a:p>
           <a:p>
             <a:pPr lvl="3"/>
@@ -1098,7 +1105,6 @@
               <a:rPr lang="en-US"/>
               <a:t>Fourth level</a:t>
             </a:r>
-            <a:endParaRPr lang="en-US"/>
           </a:p>
           <a:p>
             <a:pPr lvl="4"/>
@@ -1127,6 +1133,7 @@
           <a:p>
             <a:fld id="{A35A6653-D10C-499F-8A49-AD8465B8A90C}" type="datetimeFigureOut">
               <a:rPr lang="en-IN" smtClean="0"/>
+              <a:t>29-01-2025</a:t>
             </a:fld>
             <a:endParaRPr lang="en-IN"/>
           </a:p>
@@ -1168,6 +1175,7 @@
           <a:p>
             <a:fld id="{85489B93-32F9-4A66-9597-4727DAF47ACE}" type="slidenum">
               <a:rPr lang="en-IN" smtClean="0"/>
+              <a:t>‹#›</a:t>
             </a:fld>
             <a:endParaRPr lang="en-IN"/>
           </a:p>
@@ -1241,7 +1249,6 @@
               <a:rPr lang="en-US"/>
               <a:t>Click to edit Master text styles</a:t>
             </a:r>
-            <a:endParaRPr lang="en-US"/>
           </a:p>
           <a:p>
             <a:pPr lvl="1"/>
@@ -1249,7 +1256,6 @@
               <a:rPr lang="en-US"/>
               <a:t>Second level</a:t>
             </a:r>
-            <a:endParaRPr lang="en-US"/>
           </a:p>
           <a:p>
             <a:pPr lvl="2"/>
@@ -1257,7 +1263,6 @@
               <a:rPr lang="en-US"/>
               <a:t>Third level</a:t>
             </a:r>
-            <a:endParaRPr lang="en-US"/>
           </a:p>
           <a:p>
             <a:pPr lvl="3"/>
@@ -1265,7 +1270,6 @@
               <a:rPr lang="en-US"/>
               <a:t>Fourth level</a:t>
             </a:r>
-            <a:endParaRPr lang="en-US"/>
           </a:p>
           <a:p>
             <a:pPr lvl="4"/>
@@ -1294,6 +1298,7 @@
           <a:p>
             <a:fld id="{A35A6653-D10C-499F-8A49-AD8465B8A90C}" type="datetimeFigureOut">
               <a:rPr lang="en-IN" smtClean="0"/>
+              <a:t>29-01-2025</a:t>
             </a:fld>
             <a:endParaRPr lang="en-IN"/>
           </a:p>
@@ -1335,6 +1340,7 @@
           <a:p>
             <a:fld id="{85489B93-32F9-4A66-9597-4727DAF47ACE}" type="slidenum">
               <a:rPr lang="en-IN" smtClean="0"/>
+              <a:t>‹#›</a:t>
             </a:fld>
             <a:endParaRPr lang="en-IN"/>
           </a:p>
@@ -1513,7 +1519,6 @@
               <a:rPr lang="en-US"/>
               <a:t>Click to edit Master text styles</a:t>
             </a:r>
-            <a:endParaRPr lang="en-US"/>
           </a:p>
         </p:txBody>
       </p:sp>
@@ -1534,6 +1539,7 @@
           <a:p>
             <a:fld id="{A35A6653-D10C-499F-8A49-AD8465B8A90C}" type="datetimeFigureOut">
               <a:rPr lang="en-IN" smtClean="0"/>
+              <a:t>29-01-2025</a:t>
             </a:fld>
             <a:endParaRPr lang="en-IN"/>
           </a:p>
@@ -1575,6 +1581,7 @@
           <a:p>
             <a:fld id="{85489B93-32F9-4A66-9597-4727DAF47ACE}" type="slidenum">
               <a:rPr lang="en-IN" smtClean="0"/>
+              <a:t>‹#›</a:t>
             </a:fld>
             <a:endParaRPr lang="en-IN"/>
           </a:p>
@@ -1653,7 +1660,6 @@
               <a:rPr lang="en-US"/>
               <a:t>Click to edit Master text styles</a:t>
             </a:r>
-            <a:endParaRPr lang="en-US"/>
           </a:p>
           <a:p>
             <a:pPr lvl="1"/>
@@ -1661,7 +1667,6 @@
               <a:rPr lang="en-US"/>
               <a:t>Second level</a:t>
             </a:r>
-            <a:endParaRPr lang="en-US"/>
           </a:p>
           <a:p>
             <a:pPr lvl="2"/>
@@ -1669,7 +1674,6 @@
               <a:rPr lang="en-US"/>
               <a:t>Third level</a:t>
             </a:r>
-            <a:endParaRPr lang="en-US"/>
           </a:p>
           <a:p>
             <a:pPr lvl="3"/>
@@ -1677,7 +1681,6 @@
               <a:rPr lang="en-US"/>
               <a:t>Fourth level</a:t>
             </a:r>
-            <a:endParaRPr lang="en-US"/>
           </a:p>
           <a:p>
             <a:pPr lvl="4"/>
@@ -1714,7 +1717,6 @@
               <a:rPr lang="en-US"/>
               <a:t>Click to edit Master text styles</a:t>
             </a:r>
-            <a:endParaRPr lang="en-US"/>
           </a:p>
           <a:p>
             <a:pPr lvl="1"/>
@@ -1722,7 +1724,6 @@
               <a:rPr lang="en-US"/>
               <a:t>Second level</a:t>
             </a:r>
-            <a:endParaRPr lang="en-US"/>
           </a:p>
           <a:p>
             <a:pPr lvl="2"/>
@@ -1730,7 +1731,6 @@
               <a:rPr lang="en-US"/>
               <a:t>Third level</a:t>
             </a:r>
-            <a:endParaRPr lang="en-US"/>
           </a:p>
           <a:p>
             <a:pPr lvl="3"/>
@@ -1738,7 +1738,6 @@
               <a:rPr lang="en-US"/>
               <a:t>Fourth level</a:t>
             </a:r>
-            <a:endParaRPr lang="en-US"/>
           </a:p>
           <a:p>
             <a:pPr lvl="4"/>
@@ -1767,6 +1766,7 @@
           <a:p>
             <a:fld id="{A35A6653-D10C-499F-8A49-AD8465B8A90C}" type="datetimeFigureOut">
               <a:rPr lang="en-IN" smtClean="0"/>
+              <a:t>29-01-2025</a:t>
             </a:fld>
             <a:endParaRPr lang="en-IN"/>
           </a:p>
@@ -1808,6 +1808,7 @@
           <a:p>
             <a:fld id="{85489B93-32F9-4A66-9597-4727DAF47ACE}" type="slidenum">
               <a:rPr lang="en-IN" smtClean="0"/>
+              <a:t>‹#›</a:t>
             </a:fld>
             <a:endParaRPr lang="en-IN"/>
           </a:p>
@@ -1928,7 +1929,6 @@
               <a:rPr lang="en-US"/>
               <a:t>Click to edit Master text styles</a:t>
             </a:r>
-            <a:endParaRPr lang="en-US"/>
           </a:p>
         </p:txBody>
       </p:sp>
@@ -1957,7 +1957,6 @@
               <a:rPr lang="en-US"/>
               <a:t>Click to edit Master text styles</a:t>
             </a:r>
-            <a:endParaRPr lang="en-US"/>
           </a:p>
           <a:p>
             <a:pPr lvl="1"/>
@@ -1965,7 +1964,6 @@
               <a:rPr lang="en-US"/>
               <a:t>Second level</a:t>
             </a:r>
-            <a:endParaRPr lang="en-US"/>
           </a:p>
           <a:p>
             <a:pPr lvl="2"/>
@@ -1973,7 +1971,6 @@
               <a:rPr lang="en-US"/>
               <a:t>Third level</a:t>
             </a:r>
-            <a:endParaRPr lang="en-US"/>
           </a:p>
           <a:p>
             <a:pPr lvl="3"/>
@@ -1981,7 +1978,6 @@
               <a:rPr lang="en-US"/>
               <a:t>Fourth level</a:t>
             </a:r>
-            <a:endParaRPr lang="en-US"/>
           </a:p>
           <a:p>
             <a:pPr lvl="4"/>
@@ -2055,7 +2051,6 @@
               <a:rPr lang="en-US"/>
               <a:t>Click to edit Master text styles</a:t>
             </a:r>
-            <a:endParaRPr lang="en-US"/>
           </a:p>
         </p:txBody>
       </p:sp>
@@ -2084,7 +2079,6 @@
               <a:rPr lang="en-US"/>
               <a:t>Click to edit Master text styles</a:t>
             </a:r>
-            <a:endParaRPr lang="en-US"/>
           </a:p>
           <a:p>
             <a:pPr lvl="1"/>
@@ -2092,7 +2086,6 @@
               <a:rPr lang="en-US"/>
               <a:t>Second level</a:t>
             </a:r>
-            <a:endParaRPr lang="en-US"/>
           </a:p>
           <a:p>
             <a:pPr lvl="2"/>
@@ -2100,7 +2093,6 @@
               <a:rPr lang="en-US"/>
               <a:t>Third level</a:t>
             </a:r>
-            <a:endParaRPr lang="en-US"/>
           </a:p>
           <a:p>
             <a:pPr lvl="3"/>
@@ -2108,7 +2100,6 @@
               <a:rPr lang="en-US"/>
               <a:t>Fourth level</a:t>
             </a:r>
-            <a:endParaRPr lang="en-US"/>
           </a:p>
           <a:p>
             <a:pPr lvl="4"/>
@@ -2137,6 +2128,7 @@
           <a:p>
             <a:fld id="{A35A6653-D10C-499F-8A49-AD8465B8A90C}" type="datetimeFigureOut">
               <a:rPr lang="en-IN" smtClean="0"/>
+              <a:t>29-01-2025</a:t>
             </a:fld>
             <a:endParaRPr lang="en-IN"/>
           </a:p>
@@ -2178,6 +2170,7 @@
           <a:p>
             <a:fld id="{85489B93-32F9-4A66-9597-4727DAF47ACE}" type="slidenum">
               <a:rPr lang="en-IN" smtClean="0"/>
+              <a:t>‹#›</a:t>
             </a:fld>
             <a:endParaRPr lang="en-IN"/>
           </a:p>
@@ -2248,6 +2241,7 @@
           <a:p>
             <a:fld id="{A35A6653-D10C-499F-8A49-AD8465B8A90C}" type="datetimeFigureOut">
               <a:rPr lang="en-IN" smtClean="0"/>
+              <a:t>29-01-2025</a:t>
             </a:fld>
             <a:endParaRPr lang="en-IN"/>
           </a:p>
@@ -2289,6 +2283,7 @@
           <a:p>
             <a:fld id="{85489B93-32F9-4A66-9597-4727DAF47ACE}" type="slidenum">
               <a:rPr lang="en-IN" smtClean="0"/>
+              <a:t>‹#›</a:t>
             </a:fld>
             <a:endParaRPr lang="en-IN"/>
           </a:p>
@@ -2336,6 +2331,7 @@
           <a:p>
             <a:fld id="{A35A6653-D10C-499F-8A49-AD8465B8A90C}" type="datetimeFigureOut">
               <a:rPr lang="en-IN" smtClean="0"/>
+              <a:t>29-01-2025</a:t>
             </a:fld>
             <a:endParaRPr lang="en-IN"/>
           </a:p>
@@ -2377,6 +2373,7 @@
           <a:p>
             <a:fld id="{85489B93-32F9-4A66-9597-4727DAF47ACE}" type="slidenum">
               <a:rPr lang="en-IN" smtClean="0"/>
+              <a:t>‹#›</a:t>
             </a:fld>
             <a:endParaRPr lang="en-IN"/>
           </a:p>
@@ -2492,7 +2489,6 @@
               <a:rPr lang="en-US"/>
               <a:t>Click to edit Master text styles</a:t>
             </a:r>
-            <a:endParaRPr lang="en-US"/>
           </a:p>
           <a:p>
             <a:pPr lvl="1"/>
@@ -2500,7 +2496,6 @@
               <a:rPr lang="en-US"/>
               <a:t>Second level</a:t>
             </a:r>
-            <a:endParaRPr lang="en-US"/>
           </a:p>
           <a:p>
             <a:pPr lvl="2"/>
@@ -2508,7 +2503,6 @@
               <a:rPr lang="en-US"/>
               <a:t>Third level</a:t>
             </a:r>
-            <a:endParaRPr lang="en-US"/>
           </a:p>
           <a:p>
             <a:pPr lvl="3"/>
@@ -2516,7 +2510,6 @@
               <a:rPr lang="en-US"/>
               <a:t>Fourth level</a:t>
             </a:r>
-            <a:endParaRPr lang="en-US"/>
           </a:p>
           <a:p>
             <a:pPr lvl="4"/>
@@ -2590,7 +2583,6 @@
               <a:rPr lang="en-US"/>
               <a:t>Click to edit Master text styles</a:t>
             </a:r>
-            <a:endParaRPr lang="en-US"/>
           </a:p>
         </p:txBody>
       </p:sp>
@@ -2611,6 +2603,7 @@
           <a:p>
             <a:fld id="{A35A6653-D10C-499F-8A49-AD8465B8A90C}" type="datetimeFigureOut">
               <a:rPr lang="en-IN" smtClean="0"/>
+              <a:t>29-01-2025</a:t>
             </a:fld>
             <a:endParaRPr lang="en-IN"/>
           </a:p>
@@ -2652,6 +2645,7 @@
           <a:p>
             <a:fld id="{85489B93-32F9-4A66-9597-4727DAF47ACE}" type="slidenum">
               <a:rPr lang="en-IN" smtClean="0"/>
+              <a:t>‹#›</a:t>
             </a:fld>
             <a:endParaRPr lang="en-IN"/>
           </a:p>
@@ -2837,7 +2831,6 @@
               <a:rPr lang="en-US"/>
               <a:t>Click to edit Master text styles</a:t>
             </a:r>
-            <a:endParaRPr lang="en-US"/>
           </a:p>
         </p:txBody>
       </p:sp>
@@ -2858,6 +2851,7 @@
           <a:p>
             <a:fld id="{A35A6653-D10C-499F-8A49-AD8465B8A90C}" type="datetimeFigureOut">
               <a:rPr lang="en-IN" smtClean="0"/>
+              <a:t>29-01-2025</a:t>
             </a:fld>
             <a:endParaRPr lang="en-IN"/>
           </a:p>
@@ -2899,6 +2893,7 @@
           <a:p>
             <a:fld id="{85489B93-32F9-4A66-9597-4727DAF47ACE}" type="slidenum">
               <a:rPr lang="en-IN" smtClean="0"/>
+              <a:t>‹#›</a:t>
             </a:fld>
             <a:endParaRPr lang="en-IN"/>
           </a:p>
@@ -2997,7 +2992,6 @@
               <a:rPr lang="en-US"/>
               <a:t>Click to edit Master text styles</a:t>
             </a:r>
-            <a:endParaRPr lang="en-US"/>
           </a:p>
           <a:p>
             <a:pPr lvl="1"/>
@@ -3005,7 +2999,6 @@
               <a:rPr lang="en-US"/>
               <a:t>Second level</a:t>
             </a:r>
-            <a:endParaRPr lang="en-US"/>
           </a:p>
           <a:p>
             <a:pPr lvl="2"/>
@@ -3013,7 +3006,6 @@
               <a:rPr lang="en-US"/>
               <a:t>Third level</a:t>
             </a:r>
-            <a:endParaRPr lang="en-US"/>
           </a:p>
           <a:p>
             <a:pPr lvl="3"/>
@@ -3021,7 +3013,6 @@
               <a:rPr lang="en-US"/>
               <a:t>Fourth level</a:t>
             </a:r>
-            <a:endParaRPr lang="en-US"/>
           </a:p>
           <a:p>
             <a:pPr lvl="4"/>
@@ -3068,6 +3059,7 @@
           <a:p>
             <a:fld id="{A35A6653-D10C-499F-8A49-AD8465B8A90C}" type="datetimeFigureOut">
               <a:rPr lang="en-IN" smtClean="0"/>
+              <a:t>29-01-2025</a:t>
             </a:fld>
             <a:endParaRPr lang="en-IN"/>
           </a:p>
@@ -3145,6 +3137,7 @@
           <a:p>
             <a:fld id="{85489B93-32F9-4A66-9597-4727DAF47ACE}" type="slidenum">
               <a:rPr lang="en-IN" smtClean="0"/>
+              <a:t>‹#›</a:t>
             </a:fld>
             <a:endParaRPr lang="en-IN"/>
           </a:p>
@@ -3475,7 +3468,7 @@
           <p:nvPr/>
         </p:nvPicPr>
         <p:blipFill>
-          <a:blip r:embed="rId1">
+          <a:blip r:embed="rId3">
             <a:lum contrast="18000"/>
           </a:blip>
           <a:stretch>
@@ -3529,11 +3522,6 @@
               </a:rPr>
               <a:t>ER Diagram into Relation Model</a:t>
             </a:r>
-            <a:endParaRPr lang="en-US" altLang="en-IN" sz="6000" b="1" dirty="0">
-              <a:solidFill>
-                <a:srgbClr val="FF0000"/>
-              </a:solidFill>
-            </a:endParaRPr>
           </a:p>
         </p:txBody>
       </p:sp>
@@ -3562,11 +3550,6 @@
               </a:rPr>
               <a:t>By</a:t>
             </a:r>
-            <a:endParaRPr lang="en-IN" dirty="0">
-              <a:solidFill>
-                <a:srgbClr val="00B050"/>
-              </a:solidFill>
-            </a:endParaRPr>
           </a:p>
           <a:p>
             <a:r>
@@ -3585,11 +3568,6 @@
               </a:rPr>
               <a:t>S.P. Siddique Ibrahim</a:t>
             </a:r>
-            <a:endParaRPr lang="en-IN" b="1" dirty="0">
-              <a:solidFill>
-                <a:srgbClr val="C00000"/>
-              </a:solidFill>
-            </a:endParaRPr>
           </a:p>
           <a:p>
             <a:r>
@@ -3600,11 +3578,6 @@
               </a:rPr>
               <a:t>VIT-AP University</a:t>
             </a:r>
-            <a:endParaRPr lang="en-US" altLang="en-IN" b="1" dirty="0">
-              <a:solidFill>
-                <a:srgbClr val="C00000"/>
-              </a:solidFill>
-            </a:endParaRPr>
           </a:p>
           <a:p>
             <a:r>
@@ -3615,11 +3588,6 @@
               </a:rPr>
               <a:t>Amaravati</a:t>
             </a:r>
-            <a:endParaRPr lang="en-US" altLang="en-IN" b="1" dirty="0">
-              <a:solidFill>
-                <a:srgbClr val="C00000"/>
-              </a:solidFill>
-            </a:endParaRPr>
           </a:p>
         </p:txBody>
       </p:sp>
@@ -3640,7 +3608,14 @@
         <p:cNvGrpSpPr/>
         <p:nvPr/>
       </p:nvGrpSpPr>
-      <p:grpSpPr/>
+      <p:grpSpPr>
+        <a:xfrm>
+          <a:off x="0" y="0"/>
+          <a:ext cx="0" cy="0"/>
+          <a:chOff x="0" y="0"/>
+          <a:chExt cx="0" cy="0"/>
+        </a:xfrm>
+      </p:grpSpPr>
       <p:sp>
         <p:nvSpPr>
           <p:cNvPr id="2" name="Title 1"/>
@@ -3656,6 +3631,7 @@
           <a:bodyPr>
             <a:normAutofit fontScale="90000"/>
           </a:bodyPr>
+          <a:lstStyle/>
           <a:p>
             <a:r>
               <a:rPr lang="en-US" altLang="en-US" b="1">
@@ -3677,7 +3653,6 @@
               <a:rPr lang="en-US" altLang="en-US"/>
               <a:t> Translating Relationship Set into a Table-</a:t>
             </a:r>
-            <a:endParaRPr lang="en-US" altLang="en-US"/>
           </a:p>
         </p:txBody>
       </p:sp>
@@ -3696,6 +3671,7 @@
           <a:bodyPr>
             <a:normAutofit/>
           </a:bodyPr>
+          <a:lstStyle/>
           <a:p>
             <a:r>
               <a:rPr lang="en-US" altLang="en-US">
@@ -3704,10 +3680,6 @@
               </a:rPr>
               <a:t>A relationship set will require one table in the relational model.</a:t>
             </a:r>
-            <a:endParaRPr lang="en-US" altLang="en-US">
-              <a:latin typeface="Times New Roman" panose="02020603050405020304" pitchFamily="18" charset="0"/>
-              <a:cs typeface="Times New Roman" panose="02020603050405020304" pitchFamily="18" charset="0"/>
-            </a:endParaRPr>
           </a:p>
           <a:p>
             <a:endParaRPr lang="en-US" altLang="en-US">
@@ -3723,10 +3695,6 @@
               </a:rPr>
               <a:t>Attributes of the table are-</a:t>
             </a:r>
-            <a:endParaRPr lang="en-US" altLang="en-US">
-              <a:latin typeface="Times New Roman" panose="02020603050405020304" pitchFamily="18" charset="0"/>
-              <a:cs typeface="Times New Roman" panose="02020603050405020304" pitchFamily="18" charset="0"/>
-            </a:endParaRPr>
           </a:p>
           <a:p>
             <a:endParaRPr lang="en-US" altLang="en-US">
@@ -3742,10 +3710,6 @@
               </a:rPr>
               <a:t>Primary key attributes of the participating entity sets</a:t>
             </a:r>
-            <a:endParaRPr lang="en-US" altLang="en-US">
-              <a:latin typeface="Times New Roman" panose="02020603050405020304" pitchFamily="18" charset="0"/>
-              <a:cs typeface="Times New Roman" panose="02020603050405020304" pitchFamily="18" charset="0"/>
-            </a:endParaRPr>
           </a:p>
           <a:p>
             <a:r>
@@ -3755,10 +3719,6 @@
               </a:rPr>
               <a:t>Its own descriptive attributes if any.</a:t>
             </a:r>
-            <a:endParaRPr lang="en-US" altLang="en-US">
-              <a:latin typeface="Times New Roman" panose="02020603050405020304" pitchFamily="18" charset="0"/>
-              <a:cs typeface="Times New Roman" panose="02020603050405020304" pitchFamily="18" charset="0"/>
-            </a:endParaRPr>
           </a:p>
           <a:p>
             <a:r>
@@ -3768,10 +3728,6 @@
               </a:rPr>
               <a:t>Set of non-descriptive attributes will be the primary key.</a:t>
             </a:r>
-            <a:endParaRPr lang="en-US" altLang="en-US">
-              <a:latin typeface="Times New Roman" panose="02020603050405020304" pitchFamily="18" charset="0"/>
-              <a:cs typeface="Times New Roman" panose="02020603050405020304" pitchFamily="18" charset="0"/>
-            </a:endParaRPr>
           </a:p>
         </p:txBody>
       </p:sp>
@@ -3792,7 +3748,14 @@
         <p:cNvGrpSpPr/>
         <p:nvPr/>
       </p:nvGrpSpPr>
-      <p:grpSpPr/>
+      <p:grpSpPr>
+        <a:xfrm>
+          <a:off x="0" y="0"/>
+          <a:ext cx="0" cy="0"/>
+          <a:chOff x="0" y="0"/>
+          <a:chExt cx="0" cy="0"/>
+        </a:xfrm>
+      </p:grpSpPr>
       <p:sp>
         <p:nvSpPr>
           <p:cNvPr id="2" name="Title 1"/>
@@ -3808,12 +3771,12 @@
           <a:bodyPr>
             <a:normAutofit/>
           </a:bodyPr>
+          <a:lstStyle/>
           <a:p>
             <a:r>
               <a:rPr lang="en-US"/>
               <a:t>Example</a:t>
             </a:r>
-            <a:endParaRPr lang="en-US"/>
           </a:p>
         </p:txBody>
       </p:sp>
@@ -3821,14 +3784,14 @@
         <p:nvPicPr>
           <p:cNvPr id="5" name="Content Placeholder 4"/>
           <p:cNvPicPr>
-            <a:picLocks noChangeAspect="1"/>
+            <a:picLocks noGrp="1" noChangeAspect="1"/>
           </p:cNvPicPr>
           <p:nvPr>
             <p:ph idx="1"/>
           </p:nvPr>
         </p:nvPicPr>
         <p:blipFill>
-          <a:blip r:embed="rId1"/>
+          <a:blip r:embed="rId2"/>
           <a:stretch>
             <a:fillRect/>
           </a:stretch>
@@ -3860,7 +3823,14 @@
         <p:cNvGrpSpPr/>
         <p:nvPr/>
       </p:nvGrpSpPr>
-      <p:grpSpPr/>
+      <p:grpSpPr>
+        <a:xfrm>
+          <a:off x="0" y="0"/>
+          <a:ext cx="0" cy="0"/>
+          <a:chOff x="0" y="0"/>
+          <a:chExt cx="0" cy="0"/>
+        </a:xfrm>
+      </p:grpSpPr>
       <p:sp>
         <p:nvSpPr>
           <p:cNvPr id="2" name="Title 1"/>
@@ -3874,6 +3844,7 @@
         <p:spPr/>
         <p:txBody>
           <a:bodyPr/>
+          <a:lstStyle/>
           <a:p>
             <a:endParaRPr lang="en-US"/>
           </a:p>
@@ -3892,6 +3863,7 @@
         <p:spPr/>
         <p:txBody>
           <a:bodyPr/>
+          <a:lstStyle/>
           <a:p>
             <a:r>
               <a:rPr lang="en-US" altLang="en-US"/>
@@ -3909,7 +3881,6 @@
               <a:rPr lang="en-US" altLang="en-US"/>
               <a:t>, three tables will be required in relational model-</a:t>
             </a:r>
-            <a:endParaRPr lang="en-US" altLang="en-US"/>
           </a:p>
           <a:p>
             <a:endParaRPr lang="en-US" altLang="en-US"/>
@@ -3919,21 +3890,18 @@
               <a:rPr lang="en-US" altLang="en-US"/>
               <a:t>One table for the entity set “Employee”</a:t>
             </a:r>
-            <a:endParaRPr lang="en-US" altLang="en-US"/>
           </a:p>
           <a:p>
             <a:r>
               <a:rPr lang="en-US" altLang="en-US"/>
               <a:t>One table for the entity set “Department”</a:t>
             </a:r>
-            <a:endParaRPr lang="en-US" altLang="en-US"/>
           </a:p>
           <a:p>
             <a:r>
               <a:rPr lang="en-US" altLang="en-US"/>
               <a:t>One table for the relationship set “Works in”</a:t>
             </a:r>
-            <a:endParaRPr lang="en-US" altLang="en-US"/>
           </a:p>
         </p:txBody>
       </p:sp>
@@ -3954,7 +3922,14 @@
         <p:cNvGrpSpPr/>
         <p:nvPr/>
       </p:nvGrpSpPr>
-      <p:grpSpPr/>
+      <p:grpSpPr>
+        <a:xfrm>
+          <a:off x="0" y="0"/>
+          <a:ext cx="0" cy="0"/>
+          <a:chOff x="0" y="0"/>
+          <a:chExt cx="0" cy="0"/>
+        </a:xfrm>
+      </p:grpSpPr>
       <p:sp>
         <p:nvSpPr>
           <p:cNvPr id="2" name="Title 1"/>
@@ -3970,6 +3945,7 @@
           <a:bodyPr>
             <a:normAutofit fontScale="90000"/>
           </a:bodyPr>
+          <a:lstStyle/>
           <a:p>
             <a:r>
               <a:rPr lang="en-US" altLang="en-US" b="1">
@@ -3991,7 +3967,6 @@
               <a:rPr lang="en-US" altLang="en-US"/>
               <a:t> For Binary Relationships With Cardinality Ratios-</a:t>
             </a:r>
-            <a:endParaRPr lang="en-US" altLang="en-US"/>
           </a:p>
         </p:txBody>
       </p:sp>
@@ -4010,6 +3985,7 @@
           <a:bodyPr>
             <a:noAutofit/>
           </a:bodyPr>
+          <a:lstStyle/>
           <a:p>
             <a:r>
               <a:rPr lang="en-US" altLang="en-US" sz="2000">
@@ -4018,10 +3994,6 @@
               </a:rPr>
               <a:t>The following four cases are possible-</a:t>
             </a:r>
-            <a:endParaRPr lang="en-US" altLang="en-US" sz="2000">
-              <a:latin typeface="Times New Roman" panose="02020603050405020304" pitchFamily="18" charset="0"/>
-              <a:cs typeface="Times New Roman" panose="02020603050405020304" pitchFamily="18" charset="0"/>
-            </a:endParaRPr>
           </a:p>
           <a:p>
             <a:endParaRPr lang="en-US" altLang="en-US" sz="2000">
@@ -4037,10 +4009,6 @@
               </a:rPr>
               <a:t> Case-01: Binary relationship with cardinality ratio m:n</a:t>
             </a:r>
-            <a:endParaRPr lang="en-US" altLang="en-US">
-              <a:latin typeface="Times New Roman" panose="02020603050405020304" pitchFamily="18" charset="0"/>
-              <a:cs typeface="Times New Roman" panose="02020603050405020304" pitchFamily="18" charset="0"/>
-            </a:endParaRPr>
           </a:p>
           <a:p>
             <a:endParaRPr lang="en-US" altLang="en-US">
@@ -4056,10 +4024,6 @@
               </a:rPr>
               <a:t>Case-02: Binary relationship with cardinality ratio 1:n</a:t>
             </a:r>
-            <a:endParaRPr lang="en-US" altLang="en-US">
-              <a:latin typeface="Times New Roman" panose="02020603050405020304" pitchFamily="18" charset="0"/>
-              <a:cs typeface="Times New Roman" panose="02020603050405020304" pitchFamily="18" charset="0"/>
-            </a:endParaRPr>
           </a:p>
           <a:p>
             <a:endParaRPr lang="en-US" altLang="en-US">
@@ -4075,10 +4039,6 @@
               </a:rPr>
               <a:t>Case-03: Binary relationship with cardinality ratio m:1</a:t>
             </a:r>
-            <a:endParaRPr lang="en-US" altLang="en-US">
-              <a:latin typeface="Times New Roman" panose="02020603050405020304" pitchFamily="18" charset="0"/>
-              <a:cs typeface="Times New Roman" panose="02020603050405020304" pitchFamily="18" charset="0"/>
-            </a:endParaRPr>
           </a:p>
           <a:p>
             <a:endParaRPr lang="en-US" altLang="en-US">
@@ -4094,10 +4054,6 @@
               </a:rPr>
               <a:t>Case-04: Binary relationship with cardinality ratio 1:1</a:t>
             </a:r>
-            <a:endParaRPr lang="en-US" altLang="en-US">
-              <a:latin typeface="Times New Roman" panose="02020603050405020304" pitchFamily="18" charset="0"/>
-              <a:cs typeface="Times New Roman" panose="02020603050405020304" pitchFamily="18" charset="0"/>
-            </a:endParaRPr>
           </a:p>
         </p:txBody>
       </p:sp>
@@ -4118,7 +4074,14 @@
         <p:cNvGrpSpPr/>
         <p:nvPr/>
       </p:nvGrpSpPr>
-      <p:grpSpPr/>
+      <p:grpSpPr>
+        <a:xfrm>
+          <a:off x="0" y="0"/>
+          <a:ext cx="0" cy="0"/>
+          <a:chOff x="0" y="0"/>
+          <a:chExt cx="0" cy="0"/>
+        </a:xfrm>
+      </p:grpSpPr>
       <p:sp>
         <p:nvSpPr>
           <p:cNvPr id="2" name="Title 1"/>
@@ -4134,12 +4097,12 @@
           <a:bodyPr>
             <a:normAutofit/>
           </a:bodyPr>
+          <a:lstStyle/>
           <a:p>
             <a:r>
               <a:rPr lang="en-US"/>
               <a:t>M:M</a:t>
             </a:r>
-            <a:endParaRPr lang="en-US"/>
           </a:p>
         </p:txBody>
       </p:sp>
@@ -4147,14 +4110,14 @@
         <p:nvPicPr>
           <p:cNvPr id="5" name="Content Placeholder 4"/>
           <p:cNvPicPr>
-            <a:picLocks noChangeAspect="1"/>
+            <a:picLocks noGrp="1" noChangeAspect="1"/>
           </p:cNvPicPr>
           <p:nvPr>
             <p:ph idx="1"/>
           </p:nvPr>
         </p:nvPicPr>
         <p:blipFill>
-          <a:blip r:embed="rId1"/>
+          <a:blip r:embed="rId2"/>
           <a:stretch>
             <a:fillRect/>
           </a:stretch>
@@ -4186,7 +4149,14 @@
         <p:cNvGrpSpPr/>
         <p:nvPr/>
       </p:nvGrpSpPr>
-      <p:grpSpPr/>
+      <p:grpSpPr>
+        <a:xfrm>
+          <a:off x="0" y="0"/>
+          <a:ext cx="0" cy="0"/>
+          <a:chOff x="0" y="0"/>
+          <a:chExt cx="0" cy="0"/>
+        </a:xfrm>
+      </p:grpSpPr>
       <p:sp>
         <p:nvSpPr>
           <p:cNvPr id="2" name="Title 1"/>
@@ -4202,12 +4172,12 @@
           <a:bodyPr>
             <a:normAutofit/>
           </a:bodyPr>
+          <a:lstStyle/>
           <a:p>
             <a:r>
               <a:rPr lang="en-US"/>
               <a:t>1:M</a:t>
             </a:r>
-            <a:endParaRPr lang="en-US"/>
           </a:p>
         </p:txBody>
       </p:sp>
@@ -4215,14 +4185,14 @@
         <p:nvPicPr>
           <p:cNvPr id="4" name="Content Placeholder 3"/>
           <p:cNvPicPr>
-            <a:picLocks noChangeAspect="1"/>
+            <a:picLocks noGrp="1" noChangeAspect="1"/>
           </p:cNvPicPr>
           <p:nvPr>
             <p:ph idx="1"/>
           </p:nvPr>
         </p:nvPicPr>
         <p:blipFill>
-          <a:blip r:embed="rId1"/>
+          <a:blip r:embed="rId2"/>
           <a:stretch>
             <a:fillRect/>
           </a:stretch>
@@ -4254,7 +4224,14 @@
         <p:cNvGrpSpPr/>
         <p:nvPr/>
       </p:nvGrpSpPr>
-      <p:grpSpPr/>
+      <p:grpSpPr>
+        <a:xfrm>
+          <a:off x="0" y="0"/>
+          <a:ext cx="0" cy="0"/>
+          <a:chOff x="0" y="0"/>
+          <a:chExt cx="0" cy="0"/>
+        </a:xfrm>
+      </p:grpSpPr>
       <p:sp>
         <p:nvSpPr>
           <p:cNvPr id="2" name="Title 1"/>
@@ -4270,12 +4247,12 @@
           <a:bodyPr>
             <a:normAutofit/>
           </a:bodyPr>
+          <a:lstStyle/>
           <a:p>
             <a:r>
               <a:rPr lang="en-US"/>
               <a:t>M:1</a:t>
             </a:r>
-            <a:endParaRPr lang="en-US"/>
           </a:p>
         </p:txBody>
       </p:sp>
@@ -4283,14 +4260,14 @@
         <p:nvPicPr>
           <p:cNvPr id="4" name="Content Placeholder 3"/>
           <p:cNvPicPr>
-            <a:picLocks noChangeAspect="1"/>
+            <a:picLocks noGrp="1" noChangeAspect="1"/>
           </p:cNvPicPr>
           <p:nvPr>
             <p:ph idx="1"/>
           </p:nvPr>
         </p:nvPicPr>
         <p:blipFill>
-          <a:blip r:embed="rId1"/>
+          <a:blip r:embed="rId2"/>
           <a:stretch>
             <a:fillRect/>
           </a:stretch>
@@ -4322,7 +4299,14 @@
         <p:cNvGrpSpPr/>
         <p:nvPr/>
       </p:nvGrpSpPr>
-      <p:grpSpPr/>
+      <p:grpSpPr>
+        <a:xfrm>
+          <a:off x="0" y="0"/>
+          <a:ext cx="0" cy="0"/>
+          <a:chOff x="0" y="0"/>
+          <a:chExt cx="0" cy="0"/>
+        </a:xfrm>
+      </p:grpSpPr>
       <p:sp>
         <p:nvSpPr>
           <p:cNvPr id="2" name="Title 1"/>
@@ -4338,12 +4322,12 @@
           <a:bodyPr>
             <a:normAutofit/>
           </a:bodyPr>
+          <a:lstStyle/>
           <a:p>
             <a:r>
               <a:rPr lang="en-US"/>
               <a:t>1:1</a:t>
             </a:r>
-            <a:endParaRPr lang="en-US"/>
           </a:p>
         </p:txBody>
       </p:sp>
@@ -4351,21 +4335,21 @@
         <p:nvPicPr>
           <p:cNvPr id="4" name="Content Placeholder 3"/>
           <p:cNvPicPr>
-            <a:picLocks noChangeAspect="1"/>
+            <a:picLocks noGrp="1" noChangeAspect="1"/>
           </p:cNvPicPr>
           <p:nvPr>
             <p:ph idx="1"/>
           </p:nvPr>
         </p:nvPicPr>
         <p:blipFill>
-          <a:blip r:embed="rId1"/>
+          <a:blip r:embed="rId2"/>
           <a:stretch>
             <a:fillRect/>
           </a:stretch>
         </p:blipFill>
         <p:spPr>
           <a:xfrm>
-            <a:off x="3622675" y="578485"/>
+            <a:off x="3622675" y="596415"/>
             <a:ext cx="7479665" cy="6052820"/>
           </a:xfrm>
           <a:prstGeom prst="rect">
@@ -4390,7 +4374,14 @@
         <p:cNvGrpSpPr/>
         <p:nvPr/>
       </p:nvGrpSpPr>
-      <p:grpSpPr/>
+      <p:grpSpPr>
+        <a:xfrm>
+          <a:off x="0" y="0"/>
+          <a:ext cx="0" cy="0"/>
+          <a:chOff x="0" y="0"/>
+          <a:chExt cx="0" cy="0"/>
+        </a:xfrm>
+      </p:grpSpPr>
       <p:sp>
         <p:nvSpPr>
           <p:cNvPr id="2" name="Title 1"/>
@@ -4406,12 +4397,12 @@
           <a:bodyPr>
             <a:normAutofit fontScale="90000"/>
           </a:bodyPr>
+          <a:lstStyle/>
           <a:p>
             <a:r>
               <a:rPr lang="en-US" altLang="en-US"/>
               <a:t>Rule-06: For Binary Relationship With Both Cardinality Constraints and Participation Constraints-</a:t>
             </a:r>
-            <a:endParaRPr lang="en-US" altLang="en-US"/>
           </a:p>
         </p:txBody>
       </p:sp>
@@ -4419,14 +4410,14 @@
         <p:nvPicPr>
           <p:cNvPr id="4" name="Content Placeholder 3"/>
           <p:cNvPicPr>
-            <a:picLocks noChangeAspect="1"/>
+            <a:picLocks noGrp="1" noChangeAspect="1"/>
           </p:cNvPicPr>
           <p:nvPr>
             <p:ph idx="1"/>
           </p:nvPr>
         </p:nvPicPr>
         <p:blipFill>
-          <a:blip r:embed="rId1"/>
+          <a:blip r:embed="rId2"/>
           <a:stretch>
             <a:fillRect/>
           </a:stretch>
@@ -4458,7 +4449,14 @@
         <p:cNvGrpSpPr/>
         <p:nvPr/>
       </p:nvGrpSpPr>
-      <p:grpSpPr/>
+      <p:grpSpPr>
+        <a:xfrm>
+          <a:off x="0" y="0"/>
+          <a:ext cx="0" cy="0"/>
+          <a:chOff x="0" y="0"/>
+          <a:chExt cx="0" cy="0"/>
+        </a:xfrm>
+      </p:grpSpPr>
       <p:sp>
         <p:nvSpPr>
           <p:cNvPr id="2" name="Title 1"/>
@@ -4474,6 +4472,7 @@
           <a:bodyPr>
             <a:normAutofit fontScale="90000"/>
           </a:bodyPr>
+          <a:lstStyle/>
           <a:p>
             <a:r>
               <a:rPr lang="en-US" altLang="en-US" b="1">
@@ -4495,7 +4494,6 @@
               <a:rPr lang="en-US" altLang="en-US"/>
               <a:t> For Binary Relationship With Weak Entity Set-</a:t>
             </a:r>
-            <a:endParaRPr lang="en-US" altLang="en-US"/>
           </a:p>
         </p:txBody>
       </p:sp>
@@ -4514,6 +4512,7 @@
           <a:bodyPr>
             <a:normAutofit/>
           </a:bodyPr>
+          <a:lstStyle/>
           <a:p>
             <a:r>
               <a:rPr lang="en-US" altLang="en-US">
@@ -4522,10 +4521,6 @@
               </a:rPr>
               <a:t>Weak entity set always appears in association with identifying relationship with total participation constraint.</a:t>
             </a:r>
-            <a:endParaRPr lang="en-US" altLang="en-US">
-              <a:latin typeface="Times New Roman" panose="02020603050405020304" pitchFamily="18" charset="0"/>
-              <a:cs typeface="Times New Roman" panose="02020603050405020304" pitchFamily="18" charset="0"/>
-            </a:endParaRPr>
           </a:p>
         </p:txBody>
       </p:sp>
@@ -4546,7 +4541,14 @@
         <p:cNvGrpSpPr/>
         <p:nvPr/>
       </p:nvGrpSpPr>
-      <p:grpSpPr/>
+      <p:grpSpPr>
+        <a:xfrm>
+          <a:off x="0" y="0"/>
+          <a:ext cx="0" cy="0"/>
+          <a:chOff x="0" y="0"/>
+          <a:chExt cx="0" cy="0"/>
+        </a:xfrm>
+      </p:grpSpPr>
       <p:sp>
         <p:nvSpPr>
           <p:cNvPr id="2" name="Title 1"/>
@@ -4562,12 +4564,12 @@
           <a:bodyPr>
             <a:normAutofit fontScale="90000"/>
           </a:bodyPr>
+          <a:lstStyle/>
           <a:p>
             <a:r>
               <a:rPr lang="en-US"/>
               <a:t>Conversion of E-R Diagram into Relational Model</a:t>
             </a:r>
-            <a:endParaRPr lang="en-US"/>
           </a:p>
         </p:txBody>
       </p:sp>
@@ -4586,6 +4588,7 @@
           <a:bodyPr>
             <a:normAutofit/>
           </a:bodyPr>
+          <a:lstStyle/>
           <a:p>
             <a:r>
               <a:rPr lang="en-US" altLang="en-US">
@@ -4594,10 +4597,6 @@
               </a:rPr>
               <a:t>ER diagram is converted into the tables in relational model.</a:t>
             </a:r>
-            <a:endParaRPr lang="en-US" altLang="en-US">
-              <a:latin typeface="Times New Roman" panose="02020603050405020304" pitchFamily="18" charset="0"/>
-              <a:cs typeface="Times New Roman" panose="02020603050405020304" pitchFamily="18" charset="0"/>
-            </a:endParaRPr>
           </a:p>
           <a:p>
             <a:endParaRPr lang="en-US" altLang="en-US">
@@ -4619,10 +4618,6 @@
               </a:rPr>
               <a:t>This is because relational models can be easily implemented by RDBMS like MySQL , Oracle etc</a:t>
             </a:r>
-            <a:endParaRPr lang="en-US" altLang="en-US">
-              <a:latin typeface="Times New Roman" panose="02020603050405020304" pitchFamily="18" charset="0"/>
-              <a:cs typeface="Times New Roman" panose="02020603050405020304" pitchFamily="18" charset="0"/>
-            </a:endParaRPr>
           </a:p>
         </p:txBody>
       </p:sp>
@@ -4643,7 +4638,14 @@
         <p:cNvGrpSpPr/>
         <p:nvPr/>
       </p:nvGrpSpPr>
-      <p:grpSpPr/>
+      <p:grpSpPr>
+        <a:xfrm>
+          <a:off x="0" y="0"/>
+          <a:ext cx="0" cy="0"/>
+          <a:chOff x="0" y="0"/>
+          <a:chExt cx="0" cy="0"/>
+        </a:xfrm>
+      </p:grpSpPr>
       <p:sp>
         <p:nvSpPr>
           <p:cNvPr id="2" name="Title 1"/>
@@ -4659,12 +4661,12 @@
           <a:bodyPr>
             <a:normAutofit/>
           </a:bodyPr>
+          <a:lstStyle/>
           <a:p>
             <a:r>
               <a:rPr lang="en-US"/>
               <a:t>Example</a:t>
             </a:r>
-            <a:endParaRPr lang="en-US"/>
           </a:p>
         </p:txBody>
       </p:sp>
@@ -4672,14 +4674,14 @@
         <p:nvPicPr>
           <p:cNvPr id="5" name="Content Placeholder 4"/>
           <p:cNvPicPr>
-            <a:picLocks noChangeAspect="1"/>
+            <a:picLocks noGrp="1" noChangeAspect="1"/>
           </p:cNvPicPr>
           <p:nvPr>
             <p:ph idx="1"/>
           </p:nvPr>
         </p:nvPicPr>
         <p:blipFill>
-          <a:blip r:embed="rId1"/>
+          <a:blip r:embed="rId2"/>
           <a:stretch>
             <a:fillRect/>
           </a:stretch>
@@ -4711,7 +4713,14 @@
         <p:cNvGrpSpPr/>
         <p:nvPr/>
       </p:nvGrpSpPr>
-      <p:grpSpPr/>
+      <p:grpSpPr>
+        <a:xfrm>
+          <a:off x="0" y="0"/>
+          <a:ext cx="0" cy="0"/>
+          <a:chOff x="0" y="0"/>
+          <a:chExt cx="0" cy="0"/>
+        </a:xfrm>
+      </p:grpSpPr>
       <p:sp>
         <p:nvSpPr>
           <p:cNvPr id="2" name="Title 1"/>
@@ -4725,6 +4734,7 @@
         <p:spPr/>
         <p:txBody>
           <a:bodyPr/>
+          <a:lstStyle/>
           <a:p>
             <a:endParaRPr lang="en-US"/>
           </a:p>
@@ -4734,14 +4744,14 @@
         <p:nvPicPr>
           <p:cNvPr id="4" name="Content Placeholder 3"/>
           <p:cNvPicPr>
-            <a:picLocks noChangeAspect="1"/>
+            <a:picLocks noGrp="1" noChangeAspect="1"/>
           </p:cNvPicPr>
           <p:nvPr>
             <p:ph idx="1"/>
           </p:nvPr>
         </p:nvPicPr>
         <p:blipFill>
-          <a:blip r:embed="rId1"/>
+          <a:blip r:embed="rId2"/>
           <a:stretch>
             <a:fillRect/>
           </a:stretch>
@@ -4773,7 +4783,14 @@
         <p:cNvGrpSpPr/>
         <p:nvPr/>
       </p:nvGrpSpPr>
-      <p:grpSpPr/>
+      <p:grpSpPr>
+        <a:xfrm>
+          <a:off x="0" y="0"/>
+          <a:ext cx="0" cy="0"/>
+          <a:chOff x="0" y="0"/>
+          <a:chExt cx="0" cy="0"/>
+        </a:xfrm>
+      </p:grpSpPr>
       <p:sp>
         <p:nvSpPr>
           <p:cNvPr id="2" name="Title 1"/>
@@ -4787,12 +4804,12 @@
         <p:spPr/>
         <p:txBody>
           <a:bodyPr/>
+          <a:lstStyle/>
           <a:p>
             <a:r>
               <a:rPr lang="en-US"/>
               <a:t>Entity set with a composite attribute</a:t>
             </a:r>
-            <a:endParaRPr lang="en-US"/>
           </a:p>
         </p:txBody>
       </p:sp>
@@ -4800,14 +4817,14 @@
         <p:nvPicPr>
           <p:cNvPr id="4" name="Content Placeholder 3"/>
           <p:cNvPicPr>
-            <a:picLocks noChangeAspect="1"/>
+            <a:picLocks noGrp="1" noChangeAspect="1"/>
           </p:cNvPicPr>
           <p:nvPr>
             <p:ph idx="1"/>
           </p:nvPr>
         </p:nvPicPr>
         <p:blipFill>
-          <a:blip r:embed="rId1"/>
+          <a:blip r:embed="rId2"/>
           <a:stretch>
             <a:fillRect/>
           </a:stretch>
@@ -4839,7 +4856,14 @@
         <p:cNvGrpSpPr/>
         <p:nvPr/>
       </p:nvGrpSpPr>
-      <p:grpSpPr/>
+      <p:grpSpPr>
+        <a:xfrm>
+          <a:off x="0" y="0"/>
+          <a:ext cx="0" cy="0"/>
+          <a:chOff x="0" y="0"/>
+          <a:chExt cx="0" cy="0"/>
+        </a:xfrm>
+      </p:grpSpPr>
       <p:sp>
         <p:nvSpPr>
           <p:cNvPr id="2" name="Title 1"/>
@@ -4853,12 +4877,12 @@
         <p:spPr/>
         <p:txBody>
           <a:bodyPr/>
+          <a:lstStyle/>
           <a:p>
             <a:r>
               <a:rPr lang="en-US"/>
               <a:t>Entity set with multivalued attributes</a:t>
             </a:r>
-            <a:endParaRPr lang="en-US"/>
           </a:p>
         </p:txBody>
       </p:sp>
@@ -4875,6 +4899,7 @@
         <p:spPr/>
         <p:txBody>
           <a:bodyPr/>
+          <a:lstStyle/>
           <a:p>
             <a:endParaRPr lang="en-US"/>
           </a:p>
@@ -4884,14 +4909,14 @@
         <p:nvPicPr>
           <p:cNvPr id="4" name="Content Placeholder 3"/>
           <p:cNvPicPr>
-            <a:picLocks noChangeAspect="1"/>
+            <a:picLocks noGrp="1" noChangeAspect="1"/>
           </p:cNvPicPr>
           <p:nvPr>
             <p:ph sz="half" idx="2"/>
           </p:nvPr>
         </p:nvPicPr>
         <p:blipFill>
-          <a:blip r:embed="rId1"/>
+          <a:blip r:embed="rId2"/>
           <a:stretch>
             <a:fillRect/>
           </a:stretch>
@@ -4919,6 +4944,7 @@
         <p:spPr/>
         <p:txBody>
           <a:bodyPr/>
+          <a:lstStyle/>
           <a:p>
             <a:endParaRPr lang="en-US"/>
           </a:p>
@@ -4937,12 +4963,12 @@
         <p:spPr/>
         <p:txBody>
           <a:bodyPr/>
+          <a:lstStyle/>
           <a:p>
             <a:r>
               <a:rPr lang="en-US"/>
               <a:t>If we include the PhoneNo in the table with all other attributes, then for a single-valued tuple we may have multiple entries as shown in the table below</a:t>
             </a:r>
-            <a:endParaRPr lang="en-US"/>
           </a:p>
         </p:txBody>
       </p:sp>
@@ -4955,7 +4981,7 @@
           <p:nvPr/>
         </p:nvPicPr>
         <p:blipFill>
-          <a:blip r:embed="rId2"/>
+          <a:blip r:embed="rId3"/>
           <a:stretch>
             <a:fillRect/>
           </a:stretch>
@@ -5156,7 +5182,14 @@
         <p:cNvGrpSpPr/>
         <p:nvPr/>
       </p:nvGrpSpPr>
-      <p:grpSpPr/>
+      <p:grpSpPr>
+        <a:xfrm>
+          <a:off x="0" y="0"/>
+          <a:ext cx="0" cy="0"/>
+          <a:chOff x="0" y="0"/>
+          <a:chExt cx="0" cy="0"/>
+        </a:xfrm>
+      </p:grpSpPr>
       <p:sp>
         <p:nvSpPr>
           <p:cNvPr id="2" name="Title 1"/>
@@ -5170,6 +5203,7 @@
         <p:spPr/>
         <p:txBody>
           <a:bodyPr/>
+          <a:lstStyle/>
           <a:p>
             <a:endParaRPr lang="en-US"/>
           </a:p>
@@ -5179,14 +5213,14 @@
         <p:nvPicPr>
           <p:cNvPr id="4" name="Content Placeholder 3"/>
           <p:cNvPicPr>
-            <a:picLocks noChangeAspect="1"/>
+            <a:picLocks noGrp="1" noChangeAspect="1"/>
           </p:cNvPicPr>
           <p:nvPr>
             <p:ph idx="1"/>
           </p:nvPr>
         </p:nvPicPr>
         <p:blipFill>
-          <a:blip r:embed="rId1"/>
+          <a:blip r:embed="rId2"/>
           <a:stretch>
             <a:fillRect/>
           </a:stretch>
@@ -5218,7 +5252,14 @@
         <p:cNvGrpSpPr/>
         <p:nvPr/>
       </p:nvGrpSpPr>
-      <p:grpSpPr/>
+      <p:grpSpPr>
+        <a:xfrm>
+          <a:off x="0" y="0"/>
+          <a:ext cx="0" cy="0"/>
+          <a:chOff x="0" y="0"/>
+          <a:chExt cx="0" cy="0"/>
+        </a:xfrm>
+      </p:grpSpPr>
       <p:sp>
         <p:nvSpPr>
           <p:cNvPr id="2" name="Title 1"/>
@@ -5232,12 +5273,12 @@
         <p:spPr/>
         <p:txBody>
           <a:bodyPr/>
+          <a:lstStyle/>
           <a:p>
             <a:r>
               <a:rPr lang="en-US"/>
               <a:t>Translation of a relationship into a relation</a:t>
             </a:r>
-            <a:endParaRPr lang="en-US"/>
           </a:p>
         </p:txBody>
       </p:sp>
@@ -5254,6 +5295,7 @@
         <p:spPr/>
         <p:txBody>
           <a:bodyPr/>
+          <a:lstStyle/>
           <a:p>
             <a:r>
               <a:rPr lang="en-US">
@@ -5262,10 +5304,6 @@
               </a:rPr>
               <a:t>Likewise, we map the entity set into the relation in a relational model, we can also map a relationship set into a relation. </a:t>
             </a:r>
-            <a:endParaRPr lang="en-US">
-              <a:latin typeface="Times New Roman" panose="02020603050405020304" pitchFamily="18" charset="0"/>
-              <a:cs typeface="Times New Roman" panose="02020603050405020304" pitchFamily="18" charset="0"/>
-            </a:endParaRPr>
           </a:p>
           <a:p>
             <a:endParaRPr lang="en-US">
@@ -5298,10 +5336,6 @@
               </a:rPr>
               <a:t>. </a:t>
             </a:r>
-            <a:endParaRPr lang="en-US">
-              <a:latin typeface="Times New Roman" panose="02020603050405020304" pitchFamily="18" charset="0"/>
-              <a:cs typeface="Times New Roman" panose="02020603050405020304" pitchFamily="18" charset="0"/>
-            </a:endParaRPr>
           </a:p>
           <a:p>
             <a:endParaRPr lang="en-US">
@@ -5327,13 +5361,6 @@
               </a:rPr>
               <a:t>foreign key.</a:t>
             </a:r>
-            <a:endParaRPr lang="en-US">
-              <a:solidFill>
-                <a:srgbClr val="FF0000"/>
-              </a:solidFill>
-              <a:latin typeface="Times New Roman" panose="02020603050405020304" pitchFamily="18" charset="0"/>
-              <a:cs typeface="Times New Roman" panose="02020603050405020304" pitchFamily="18" charset="0"/>
-            </a:endParaRPr>
           </a:p>
         </p:txBody>
       </p:sp>
@@ -5354,7 +5381,14 @@
         <p:cNvGrpSpPr/>
         <p:nvPr/>
       </p:nvGrpSpPr>
-      <p:grpSpPr/>
+      <p:grpSpPr>
+        <a:xfrm>
+          <a:off x="0" y="0"/>
+          <a:ext cx="0" cy="0"/>
+          <a:chOff x="0" y="0"/>
+          <a:chExt cx="0" cy="0"/>
+        </a:xfrm>
+      </p:grpSpPr>
       <p:sp>
         <p:nvSpPr>
           <p:cNvPr id="2" name="Title 1"/>
@@ -5368,6 +5402,7 @@
         <p:spPr/>
         <p:txBody>
           <a:bodyPr/>
+          <a:lstStyle/>
           <a:p>
             <a:endParaRPr lang="en-US"/>
           </a:p>
@@ -5377,14 +5412,14 @@
         <p:nvPicPr>
           <p:cNvPr id="4" name="Content Placeholder 3"/>
           <p:cNvPicPr>
-            <a:picLocks noChangeAspect="1"/>
+            <a:picLocks noGrp="1" noChangeAspect="1"/>
           </p:cNvPicPr>
           <p:nvPr>
             <p:ph idx="1"/>
           </p:nvPr>
         </p:nvPicPr>
         <p:blipFill>
-          <a:blip r:embed="rId1"/>
+          <a:blip r:embed="rId2"/>
           <a:stretch>
             <a:fillRect/>
           </a:stretch>
@@ -5440,6 +5475,7 @@
         </p:style>
         <p:txBody>
           <a:bodyPr rtlCol="0" anchor="ctr"/>
+          <a:lstStyle/>
           <a:p>
             <a:pPr algn="ctr"/>
             <a:endParaRPr lang="en-US"/>
@@ -5463,7 +5499,14 @@
         <p:cNvGrpSpPr/>
         <p:nvPr/>
       </p:nvGrpSpPr>
-      <p:grpSpPr/>
+      <p:grpSpPr>
+        <a:xfrm>
+          <a:off x="0" y="0"/>
+          <a:ext cx="0" cy="0"/>
+          <a:chOff x="0" y="0"/>
+          <a:chExt cx="0" cy="0"/>
+        </a:xfrm>
+      </p:grpSpPr>
       <p:sp>
         <p:nvSpPr>
           <p:cNvPr id="2" name="Title 1"/>
@@ -5477,6 +5520,7 @@
         <p:spPr/>
         <p:txBody>
           <a:bodyPr/>
+          <a:lstStyle/>
           <a:p>
             <a:endParaRPr lang="en-US"/>
           </a:p>
@@ -5486,14 +5530,14 @@
         <p:nvPicPr>
           <p:cNvPr id="4" name="Content Placeholder 3"/>
           <p:cNvPicPr>
-            <a:picLocks noChangeAspect="1"/>
+            <a:picLocks noGrp="1" noChangeAspect="1"/>
           </p:cNvPicPr>
           <p:nvPr>
             <p:ph idx="1"/>
           </p:nvPr>
         </p:nvPicPr>
         <p:blipFill>
-          <a:blip r:embed="rId1"/>
+          <a:blip r:embed="rId2"/>
           <a:stretch>
             <a:fillRect/>
           </a:stretch>
@@ -5525,7 +5569,14 @@
         <p:cNvGrpSpPr/>
         <p:nvPr/>
       </p:nvGrpSpPr>
-      <p:grpSpPr/>
+      <p:grpSpPr>
+        <a:xfrm>
+          <a:off x="0" y="0"/>
+          <a:ext cx="0" cy="0"/>
+          <a:chOff x="0" y="0"/>
+          <a:chExt cx="0" cy="0"/>
+        </a:xfrm>
+      </p:grpSpPr>
       <p:sp>
         <p:nvSpPr>
           <p:cNvPr id="2" name="Title 1"/>
@@ -5539,6 +5590,7 @@
         <p:spPr/>
         <p:txBody>
           <a:bodyPr/>
+          <a:lstStyle/>
           <a:p>
             <a:endParaRPr lang="en-US"/>
           </a:p>
@@ -5548,14 +5600,14 @@
         <p:nvPicPr>
           <p:cNvPr id="4" name="Content Placeholder 3"/>
           <p:cNvPicPr>
-            <a:picLocks noChangeAspect="1"/>
+            <a:picLocks noGrp="1" noChangeAspect="1"/>
           </p:cNvPicPr>
           <p:nvPr>
             <p:ph idx="1"/>
           </p:nvPr>
         </p:nvPicPr>
         <p:blipFill>
-          <a:blip r:embed="rId1"/>
+          <a:blip r:embed="rId2"/>
           <a:stretch>
             <a:fillRect/>
           </a:stretch>
@@ -5587,7 +5639,14 @@
         <p:cNvGrpSpPr/>
         <p:nvPr/>
       </p:nvGrpSpPr>
-      <p:grpSpPr/>
+      <p:grpSpPr>
+        <a:xfrm>
+          <a:off x="0" y="0"/>
+          <a:ext cx="0" cy="0"/>
+          <a:chOff x="0" y="0"/>
+          <a:chExt cx="0" cy="0"/>
+        </a:xfrm>
+      </p:grpSpPr>
       <p:sp>
         <p:nvSpPr>
           <p:cNvPr id="2" name="Title 1"/>
@@ -5601,6 +5660,7 @@
         <p:spPr/>
         <p:txBody>
           <a:bodyPr/>
+          <a:lstStyle/>
           <a:p>
             <a:endParaRPr lang="en-US"/>
           </a:p>
@@ -5610,14 +5670,14 @@
         <p:nvPicPr>
           <p:cNvPr id="6" name="Content Placeholder 5"/>
           <p:cNvPicPr>
-            <a:picLocks noChangeAspect="1"/>
+            <a:picLocks noGrp="1" noChangeAspect="1"/>
           </p:cNvPicPr>
           <p:nvPr>
             <p:ph idx="1"/>
           </p:nvPr>
         </p:nvPicPr>
         <p:blipFill>
-          <a:blip r:embed="rId1"/>
+          <a:blip r:embed="rId2"/>
           <a:stretch>
             <a:fillRect/>
           </a:stretch>
@@ -5649,7 +5709,14 @@
         <p:cNvGrpSpPr/>
         <p:nvPr/>
       </p:nvGrpSpPr>
-      <p:grpSpPr/>
+      <p:grpSpPr>
+        <a:xfrm>
+          <a:off x="0" y="0"/>
+          <a:ext cx="0" cy="0"/>
+          <a:chOff x="0" y="0"/>
+          <a:chExt cx="0" cy="0"/>
+        </a:xfrm>
+      </p:grpSpPr>
       <p:sp>
         <p:nvSpPr>
           <p:cNvPr id="2" name="Title 1"/>
@@ -5665,12 +5732,12 @@
           <a:bodyPr>
             <a:normAutofit fontScale="90000"/>
           </a:bodyPr>
+          <a:lstStyle/>
           <a:p>
             <a:r>
               <a:rPr lang="en-US"/>
               <a:t>Conversion of E-R Diagram into Relational Model</a:t>
             </a:r>
-            <a:endParaRPr lang="en-US"/>
           </a:p>
         </p:txBody>
       </p:sp>
@@ -5689,6 +5756,7 @@
           <a:bodyPr>
             <a:normAutofit/>
           </a:bodyPr>
+          <a:lstStyle/>
           <a:p>
             <a:r>
               <a:rPr lang="en-US">
@@ -5697,10 +5765,6 @@
               </a:rPr>
               <a:t>In general conversion of E-R diagram into a relational model involves the following:</a:t>
             </a:r>
-            <a:endParaRPr lang="en-US">
-              <a:latin typeface="Times New Roman" panose="02020603050405020304" pitchFamily="18" charset="0"/>
-              <a:cs typeface="Times New Roman" panose="02020603050405020304" pitchFamily="18" charset="0"/>
-            </a:endParaRPr>
           </a:p>
           <a:p>
             <a:endParaRPr lang="en-US">
@@ -5716,10 +5780,6 @@
               </a:rPr>
               <a:t>Mapping of an entity set into relation (tables) of the database.</a:t>
             </a:r>
-            <a:endParaRPr lang="en-US">
-              <a:latin typeface="Times New Roman" panose="02020603050405020304" pitchFamily="18" charset="0"/>
-              <a:cs typeface="Times New Roman" panose="02020603050405020304" pitchFamily="18" charset="0"/>
-            </a:endParaRPr>
           </a:p>
           <a:p>
             <a:r>
@@ -5729,10 +5789,6 @@
               </a:rPr>
               <a:t>The attributes of a table include the attributes of an entity</a:t>
             </a:r>
-            <a:endParaRPr lang="en-US">
-              <a:latin typeface="Times New Roman" panose="02020603050405020304" pitchFamily="18" charset="0"/>
-              <a:cs typeface="Times New Roman" panose="02020603050405020304" pitchFamily="18" charset="0"/>
-            </a:endParaRPr>
           </a:p>
           <a:p>
             <a:r>
@@ -5742,10 +5798,6 @@
               </a:rPr>
               <a:t>The key attribute of an entity becomes the primary key of the relation</a:t>
             </a:r>
-            <a:endParaRPr lang="en-US">
-              <a:latin typeface="Times New Roman" panose="02020603050405020304" pitchFamily="18" charset="0"/>
-              <a:cs typeface="Times New Roman" panose="02020603050405020304" pitchFamily="18" charset="0"/>
-            </a:endParaRPr>
           </a:p>
           <a:p>
             <a:endParaRPr lang="en-US">
@@ -5772,7 +5824,14 @@
         <p:cNvGrpSpPr/>
         <p:nvPr/>
       </p:nvGrpSpPr>
-      <p:grpSpPr/>
+      <p:grpSpPr>
+        <a:xfrm>
+          <a:off x="0" y="0"/>
+          <a:ext cx="0" cy="0"/>
+          <a:chOff x="0" y="0"/>
+          <a:chExt cx="0" cy="0"/>
+        </a:xfrm>
+      </p:grpSpPr>
       <p:sp>
         <p:nvSpPr>
           <p:cNvPr id="2" name="Title 1"/>
@@ -5786,6 +5845,7 @@
         <p:spPr/>
         <p:txBody>
           <a:bodyPr/>
+          <a:lstStyle/>
           <a:p>
             <a:endParaRPr lang="en-US"/>
           </a:p>
@@ -5795,14 +5855,14 @@
         <p:nvPicPr>
           <p:cNvPr id="4" name="Content Placeholder 3"/>
           <p:cNvPicPr>
-            <a:picLocks noChangeAspect="1"/>
+            <a:picLocks noGrp="1" noChangeAspect="1"/>
           </p:cNvPicPr>
           <p:nvPr>
             <p:ph idx="1"/>
           </p:nvPr>
         </p:nvPicPr>
         <p:blipFill>
-          <a:blip r:embed="rId1"/>
+          <a:blip r:embed="rId2"/>
           <a:stretch>
             <a:fillRect/>
           </a:stretch>
@@ -5834,7 +5894,14 @@
         <p:cNvGrpSpPr/>
         <p:nvPr/>
       </p:nvGrpSpPr>
-      <p:grpSpPr/>
+      <p:grpSpPr>
+        <a:xfrm>
+          <a:off x="0" y="0"/>
+          <a:ext cx="0" cy="0"/>
+          <a:chOff x="0" y="0"/>
+          <a:chExt cx="0" cy="0"/>
+        </a:xfrm>
+      </p:grpSpPr>
       <p:sp>
         <p:nvSpPr>
           <p:cNvPr id="2" name="Title 1"/>
@@ -5848,6 +5915,7 @@
         <p:spPr/>
         <p:txBody>
           <a:bodyPr/>
+          <a:lstStyle/>
           <a:p>
             <a:endParaRPr lang="en-US"/>
           </a:p>
@@ -5857,14 +5925,14 @@
         <p:nvPicPr>
           <p:cNvPr id="4" name="Content Placeholder 3"/>
           <p:cNvPicPr>
-            <a:picLocks noChangeAspect="1"/>
+            <a:picLocks noGrp="1" noChangeAspect="1"/>
           </p:cNvPicPr>
           <p:nvPr>
             <p:ph idx="1"/>
           </p:nvPr>
         </p:nvPicPr>
         <p:blipFill>
-          <a:blip r:embed="rId1"/>
+          <a:blip r:embed="rId2"/>
           <a:stretch>
             <a:fillRect/>
           </a:stretch>
@@ -5896,7 +5964,14 @@
         <p:cNvGrpSpPr/>
         <p:nvPr/>
       </p:nvGrpSpPr>
-      <p:grpSpPr/>
+      <p:grpSpPr>
+        <a:xfrm>
+          <a:off x="0" y="0"/>
+          <a:ext cx="0" cy="0"/>
+          <a:chOff x="0" y="0"/>
+          <a:chExt cx="0" cy="0"/>
+        </a:xfrm>
+      </p:grpSpPr>
       <p:sp>
         <p:nvSpPr>
           <p:cNvPr id="2" name="Title 1"/>
@@ -5910,6 +5985,7 @@
         <p:spPr/>
         <p:txBody>
           <a:bodyPr/>
+          <a:lstStyle/>
           <a:p>
             <a:endParaRPr lang="en-US"/>
           </a:p>
@@ -5919,14 +5995,14 @@
         <p:nvPicPr>
           <p:cNvPr id="4" name="Content Placeholder 3"/>
           <p:cNvPicPr>
-            <a:picLocks noChangeAspect="1"/>
+            <a:picLocks noGrp="1" noChangeAspect="1"/>
           </p:cNvPicPr>
           <p:nvPr>
             <p:ph idx="1"/>
           </p:nvPr>
         </p:nvPicPr>
         <p:blipFill>
-          <a:blip r:embed="rId1"/>
+          <a:blip r:embed="rId2"/>
           <a:stretch>
             <a:fillRect/>
           </a:stretch>
@@ -5958,7 +6034,14 @@
         <p:cNvGrpSpPr/>
         <p:nvPr/>
       </p:nvGrpSpPr>
-      <p:grpSpPr/>
+      <p:grpSpPr>
+        <a:xfrm>
+          <a:off x="0" y="0"/>
+          <a:ext cx="0" cy="0"/>
+          <a:chOff x="0" y="0"/>
+          <a:chExt cx="0" cy="0"/>
+        </a:xfrm>
+      </p:grpSpPr>
       <p:sp>
         <p:nvSpPr>
           <p:cNvPr id="40962" name="Title 1"/>
@@ -5972,6 +6055,7 @@
         <p:spPr/>
         <p:txBody>
           <a:bodyPr vert="horz" wrap="square" lIns="91440" tIns="45720" rIns="91440" bIns="45720" anchor="ctr" anchorCtr="0"/>
+          <a:lstStyle/>
           <a:p>
             <a:r>
               <a:rPr b="1" dirty="0"/>
@@ -5994,6 +6078,7 @@
         <p:spPr/>
         <p:txBody>
           <a:bodyPr vert="horz" wrap="square" lIns="91440" tIns="45720" rIns="91440" bIns="45720" anchor="t" anchorCtr="0"/>
+          <a:lstStyle/>
           <a:p>
             <a:pPr>
               <a:buNone/>
@@ -6002,7 +6087,6 @@
               <a:rPr dirty="0"/>
               <a:t>Each attribute of the entity set becomes an attribute of the table. </a:t>
             </a:r>
-            <a:endParaRPr dirty="0"/>
           </a:p>
           <a:p>
             <a:pPr>
@@ -6018,7 +6102,6 @@
               <a:rPr dirty="0"/>
               <a:t>Note that we know both the domain of each attribute and the (primary) key of an entity set.</a:t>
             </a:r>
-            <a:endParaRPr dirty="0"/>
           </a:p>
         </p:txBody>
       </p:sp>
@@ -6039,7 +6122,14 @@
         <p:cNvGrpSpPr/>
         <p:nvPr/>
       </p:nvGrpSpPr>
-      <p:grpSpPr/>
+      <p:grpSpPr>
+        <a:xfrm>
+          <a:off x="0" y="0"/>
+          <a:ext cx="0" cy="0"/>
+          <a:chOff x="0" y="0"/>
+          <a:chExt cx="0" cy="0"/>
+        </a:xfrm>
+      </p:grpSpPr>
       <p:sp>
         <p:nvSpPr>
           <p:cNvPr id="41986" name="Title 1"/>
@@ -6053,6 +6143,7 @@
         <p:spPr/>
         <p:txBody>
           <a:bodyPr vert="horz" wrap="square" lIns="91440" tIns="45720" rIns="91440" bIns="45720" anchor="ctr" anchorCtr="0"/>
+          <a:lstStyle/>
           <a:p>
             <a:r>
               <a:rPr b="1" dirty="0"/>
@@ -6073,7 +6164,7 @@
           </p:nvPr>
         </p:nvPicPr>
         <p:blipFill>
-          <a:blip r:embed="rId1"/>
+          <a:blip r:embed="rId2"/>
           <a:srcRect/>
           <a:stretch>
             <a:fillRect/>
@@ -6095,7 +6186,7 @@
           <p:nvPr/>
         </p:nvPicPr>
         <p:blipFill>
-          <a:blip r:embed="rId2"/>
+          <a:blip r:embed="rId3"/>
           <a:stretch>
             <a:fillRect/>
           </a:stretch>
@@ -6123,7 +6214,7 @@
           <p:nvPr/>
         </p:nvPicPr>
         <p:blipFill>
-          <a:blip r:embed="rId3"/>
+          <a:blip r:embed="rId4"/>
           <a:stretch>
             <a:fillRect/>
           </a:stretch>
@@ -6159,7 +6250,14 @@
         <p:cNvGrpSpPr/>
         <p:nvPr/>
       </p:nvGrpSpPr>
-      <p:grpSpPr/>
+      <p:grpSpPr>
+        <a:xfrm>
+          <a:off x="0" y="0"/>
+          <a:ext cx="0" cy="0"/>
+          <a:chOff x="0" y="0"/>
+          <a:chExt cx="0" cy="0"/>
+        </a:xfrm>
+      </p:grpSpPr>
       <p:sp>
         <p:nvSpPr>
           <p:cNvPr id="43010" name="Title 1"/>
@@ -6175,6 +6273,7 @@
           <a:bodyPr vert="horz" wrap="square" lIns="91440" tIns="45720" rIns="91440" bIns="45720" anchor="ctr" anchorCtr="0">
             <a:normAutofit fontScale="90000"/>
           </a:bodyPr>
+          <a:lstStyle/>
           <a:p>
             <a:r>
               <a:rPr b="1" dirty="0"/>
@@ -6198,7 +6297,7 @@
           </p:nvPr>
         </p:nvPicPr>
         <p:blipFill>
-          <a:blip r:embed="rId1"/>
+          <a:blip r:embed="rId2"/>
           <a:srcRect/>
           <a:stretch>
             <a:fillRect/>
@@ -6220,7 +6319,7 @@
           <p:nvPr/>
         </p:nvPicPr>
         <p:blipFill>
-          <a:blip r:embed="rId2"/>
+          <a:blip r:embed="rId3"/>
           <a:stretch>
             <a:fillRect/>
           </a:stretch>
@@ -6256,7 +6355,14 @@
         <p:cNvGrpSpPr/>
         <p:nvPr/>
       </p:nvGrpSpPr>
-      <p:grpSpPr/>
+      <p:grpSpPr>
+        <a:xfrm>
+          <a:off x="0" y="0"/>
+          <a:ext cx="0" cy="0"/>
+          <a:chOff x="0" y="0"/>
+          <a:chExt cx="0" cy="0"/>
+        </a:xfrm>
+      </p:grpSpPr>
       <p:sp>
         <p:nvSpPr>
           <p:cNvPr id="44034" name="Title 1"/>
@@ -6277,6 +6383,7 @@
           <a:bodyPr vert="horz" wrap="square" lIns="91440" tIns="45720" rIns="91440" bIns="45720" anchor="ctr" anchorCtr="0">
             <a:normAutofit fontScale="90000"/>
           </a:bodyPr>
+          <a:lstStyle/>
           <a:p>
             <a:r>
               <a:rPr b="1" dirty="0"/>
@@ -6297,7 +6404,7 @@
           </p:nvPr>
         </p:nvPicPr>
         <p:blipFill>
-          <a:blip r:embed="rId1"/>
+          <a:blip r:embed="rId2"/>
           <a:srcRect/>
           <a:stretch>
             <a:fillRect/>
@@ -6319,7 +6426,7 @@
           <p:nvPr/>
         </p:nvPicPr>
         <p:blipFill>
-          <a:blip r:embed="rId2"/>
+          <a:blip r:embed="rId3"/>
           <a:stretch>
             <a:fillRect/>
           </a:stretch>
@@ -6355,7 +6462,14 @@
         <p:cNvGrpSpPr/>
         <p:nvPr/>
       </p:nvGrpSpPr>
-      <p:grpSpPr/>
+      <p:grpSpPr>
+        <a:xfrm>
+          <a:off x="0" y="0"/>
+          <a:ext cx="0" cy="0"/>
+          <a:chOff x="0" y="0"/>
+          <a:chExt cx="0" cy="0"/>
+        </a:xfrm>
+      </p:grpSpPr>
       <p:sp>
         <p:nvSpPr>
           <p:cNvPr id="45058" name="Title 1"/>
@@ -6371,6 +6485,7 @@
           <a:bodyPr vert="horz" wrap="square" lIns="91440" tIns="45720" rIns="91440" bIns="45720" anchor="ctr" anchorCtr="0">
             <a:normAutofit fontScale="90000"/>
           </a:bodyPr>
+          <a:lstStyle/>
           <a:p>
             <a:r>
               <a:rPr dirty="0"/>
@@ -6383,7 +6498,6 @@
               <a:rPr dirty="0"/>
               <a:t>(E-R to DATABASE)</a:t>
             </a:r>
-            <a:endParaRPr dirty="0"/>
           </a:p>
         </p:txBody>
       </p:sp>
@@ -6398,7 +6512,7 @@
           </p:nvPr>
         </p:nvPicPr>
         <p:blipFill>
-          <a:blip r:embed="rId1"/>
+          <a:blip r:embed="rId2"/>
           <a:srcRect/>
           <a:stretch>
             <a:fillRect/>
@@ -6428,7 +6542,14 @@
         <p:cNvGrpSpPr/>
         <p:nvPr/>
       </p:nvGrpSpPr>
-      <p:grpSpPr/>
+      <p:grpSpPr>
+        <a:xfrm>
+          <a:off x="0" y="0"/>
+          <a:ext cx="0" cy="0"/>
+          <a:chOff x="0" y="0"/>
+          <a:chExt cx="0" cy="0"/>
+        </a:xfrm>
+      </p:grpSpPr>
       <p:sp>
         <p:nvSpPr>
           <p:cNvPr id="46082" name="Title 1"/>
@@ -6444,6 +6565,7 @@
           <a:bodyPr vert="horz" wrap="square" lIns="91440" tIns="45720" rIns="91440" bIns="45720" anchor="ctr" anchorCtr="0">
             <a:normAutofit fontScale="90000"/>
           </a:bodyPr>
+          <a:lstStyle/>
           <a:p>
             <a:r>
               <a:rPr dirty="0"/>
@@ -6456,7 +6578,6 @@
               <a:rPr dirty="0"/>
               <a:t>Solution</a:t>
             </a:r>
-            <a:endParaRPr dirty="0"/>
           </a:p>
         </p:txBody>
       </p:sp>
@@ -6471,7 +6592,7 @@
           </p:nvPr>
         </p:nvPicPr>
         <p:blipFill>
-          <a:blip r:embed="rId1"/>
+          <a:blip r:embed="rId2"/>
           <a:srcRect/>
           <a:stretch>
             <a:fillRect/>
@@ -6501,7 +6622,14 @@
         <p:cNvGrpSpPr/>
         <p:nvPr/>
       </p:nvGrpSpPr>
-      <p:grpSpPr/>
+      <p:grpSpPr>
+        <a:xfrm>
+          <a:off x="0" y="0"/>
+          <a:ext cx="0" cy="0"/>
+          <a:chOff x="0" y="0"/>
+          <a:chExt cx="0" cy="0"/>
+        </a:xfrm>
+      </p:grpSpPr>
       <p:sp>
         <p:nvSpPr>
           <p:cNvPr id="47106" name="Title 1"/>
@@ -6517,6 +6645,7 @@
           <a:bodyPr vert="horz" wrap="square" lIns="91440" tIns="45720" rIns="91440" bIns="45720" anchor="ctr" anchorCtr="0">
             <a:normAutofit fontScale="90000"/>
           </a:bodyPr>
+          <a:lstStyle/>
           <a:p>
             <a:r>
               <a:rPr dirty="0"/>
@@ -6529,7 +6658,6 @@
               <a:rPr dirty="0"/>
               <a:t>(E-R to DATABASE)</a:t>
             </a:r>
-            <a:endParaRPr dirty="0"/>
           </a:p>
         </p:txBody>
       </p:sp>
@@ -6544,7 +6672,7 @@
           </p:nvPr>
         </p:nvPicPr>
         <p:blipFill>
-          <a:blip r:embed="rId1"/>
+          <a:blip r:embed="rId2"/>
           <a:srcRect/>
           <a:stretch>
             <a:fillRect/>
@@ -6574,7 +6702,14 @@
         <p:cNvGrpSpPr/>
         <p:nvPr/>
       </p:nvGrpSpPr>
-      <p:grpSpPr/>
+      <p:grpSpPr>
+        <a:xfrm>
+          <a:off x="0" y="0"/>
+          <a:ext cx="0" cy="0"/>
+          <a:chOff x="0" y="0"/>
+          <a:chExt cx="0" cy="0"/>
+        </a:xfrm>
+      </p:grpSpPr>
       <p:sp>
         <p:nvSpPr>
           <p:cNvPr id="2" name="Title 1"/>
@@ -6590,6 +6725,7 @@
           <a:bodyPr>
             <a:normAutofit fontScale="90000"/>
           </a:bodyPr>
+          <a:lstStyle/>
           <a:p>
             <a:r>
               <a:rPr lang="en-US" altLang="en-US" b="1">
@@ -6611,7 +6747,6 @@
               <a:rPr lang="en-US" altLang="en-US"/>
               <a:t>For Strong Entity Set With Only Simple Attributes-</a:t>
             </a:r>
-            <a:endParaRPr lang="en-US" altLang="en-US"/>
           </a:p>
         </p:txBody>
       </p:sp>
@@ -6630,6 +6765,7 @@
           <a:bodyPr>
             <a:normAutofit/>
           </a:bodyPr>
+          <a:lstStyle/>
           <a:p>
             <a:r>
               <a:rPr lang="en-US" altLang="en-US">
@@ -6655,10 +6791,6 @@
               </a:rPr>
               <a:t> in relational model.</a:t>
             </a:r>
-            <a:endParaRPr lang="en-US" altLang="en-US">
-              <a:latin typeface="Times New Roman" panose="02020603050405020304" pitchFamily="18" charset="0"/>
-              <a:cs typeface="Times New Roman" panose="02020603050405020304" pitchFamily="18" charset="0"/>
-            </a:endParaRPr>
           </a:p>
           <a:p>
             <a:endParaRPr lang="en-US" altLang="en-US">
@@ -6674,10 +6806,6 @@
               </a:rPr>
               <a:t>Attributes of the table will be the attributes of the entity set.</a:t>
             </a:r>
-            <a:endParaRPr lang="en-US" altLang="en-US">
-              <a:latin typeface="Times New Roman" panose="02020603050405020304" pitchFamily="18" charset="0"/>
-              <a:cs typeface="Times New Roman" panose="02020603050405020304" pitchFamily="18" charset="0"/>
-            </a:endParaRPr>
           </a:p>
           <a:p>
             <a:r>
@@ -6704,10 +6832,6 @@
               </a:rPr>
               <a:t>of the table will be the key attribute of the entity set.</a:t>
             </a:r>
-            <a:endParaRPr lang="en-US" altLang="en-US">
-              <a:latin typeface="Times New Roman" panose="02020603050405020304" pitchFamily="18" charset="0"/>
-              <a:cs typeface="Times New Roman" panose="02020603050405020304" pitchFamily="18" charset="0"/>
-            </a:endParaRPr>
           </a:p>
         </p:txBody>
       </p:sp>
@@ -6728,7 +6852,14 @@
         <p:cNvGrpSpPr/>
         <p:nvPr/>
       </p:nvGrpSpPr>
-      <p:grpSpPr/>
+      <p:grpSpPr>
+        <a:xfrm>
+          <a:off x="0" y="0"/>
+          <a:ext cx="0" cy="0"/>
+          <a:chOff x="0" y="0"/>
+          <a:chExt cx="0" cy="0"/>
+        </a:xfrm>
+      </p:grpSpPr>
       <p:sp>
         <p:nvSpPr>
           <p:cNvPr id="48130" name="Title 1"/>
@@ -6744,6 +6875,7 @@
           <a:bodyPr vert="horz" wrap="square" lIns="91440" tIns="45720" rIns="91440" bIns="45720" anchor="ctr" anchorCtr="0">
             <a:normAutofit fontScale="90000"/>
           </a:bodyPr>
+          <a:lstStyle/>
           <a:p>
             <a:r>
               <a:rPr dirty="0"/>
@@ -6756,7 +6888,6 @@
               <a:rPr dirty="0"/>
               <a:t>Solution</a:t>
             </a:r>
-            <a:endParaRPr dirty="0"/>
           </a:p>
         </p:txBody>
       </p:sp>
@@ -6771,7 +6902,7 @@
           </p:nvPr>
         </p:nvPicPr>
         <p:blipFill>
-          <a:blip r:embed="rId1"/>
+          <a:blip r:embed="rId2"/>
           <a:srcRect/>
           <a:stretch>
             <a:fillRect/>
@@ -6801,7 +6932,14 @@
         <p:cNvGrpSpPr/>
         <p:nvPr/>
       </p:nvGrpSpPr>
-      <p:grpSpPr/>
+      <p:grpSpPr>
+        <a:xfrm>
+          <a:off x="0" y="0"/>
+          <a:ext cx="0" cy="0"/>
+          <a:chOff x="0" y="0"/>
+          <a:chExt cx="0" cy="0"/>
+        </a:xfrm>
+      </p:grpSpPr>
       <p:sp>
         <p:nvSpPr>
           <p:cNvPr id="49154" name="Title 1"/>
@@ -6817,6 +6955,7 @@
           <a:bodyPr vert="horz" wrap="square" lIns="91440" tIns="45720" rIns="91440" bIns="45720" anchor="ctr" anchorCtr="0">
             <a:normAutofit fontScale="90000"/>
           </a:bodyPr>
+          <a:lstStyle/>
           <a:p>
             <a:r>
               <a:rPr dirty="0"/>
@@ -6829,7 +6968,6 @@
               <a:rPr dirty="0"/>
               <a:t>(E-R to DATABASE)</a:t>
             </a:r>
-            <a:endParaRPr dirty="0"/>
           </a:p>
         </p:txBody>
       </p:sp>
@@ -6844,7 +6982,7 @@
           </p:nvPr>
         </p:nvPicPr>
         <p:blipFill>
-          <a:blip r:embed="rId1"/>
+          <a:blip r:embed="rId2"/>
           <a:srcRect/>
           <a:stretch>
             <a:fillRect/>
@@ -6874,7 +7012,14 @@
         <p:cNvGrpSpPr/>
         <p:nvPr/>
       </p:nvGrpSpPr>
-      <p:grpSpPr/>
+      <p:grpSpPr>
+        <a:xfrm>
+          <a:off x="0" y="0"/>
+          <a:ext cx="0" cy="0"/>
+          <a:chOff x="0" y="0"/>
+          <a:chExt cx="0" cy="0"/>
+        </a:xfrm>
+      </p:grpSpPr>
       <p:sp>
         <p:nvSpPr>
           <p:cNvPr id="50178" name="Title 1"/>
@@ -6890,6 +7035,7 @@
           <a:bodyPr vert="horz" wrap="square" lIns="91440" tIns="45720" rIns="91440" bIns="45720" anchor="ctr" anchorCtr="0">
             <a:normAutofit fontScale="90000"/>
           </a:bodyPr>
+          <a:lstStyle/>
           <a:p>
             <a:r>
               <a:rPr dirty="0"/>
@@ -6902,7 +7048,6 @@
               <a:rPr dirty="0"/>
               <a:t>Solution</a:t>
             </a:r>
-            <a:endParaRPr dirty="0"/>
           </a:p>
         </p:txBody>
       </p:sp>
@@ -6917,7 +7062,7 @@
           </p:nvPr>
         </p:nvPicPr>
         <p:blipFill>
-          <a:blip r:embed="rId1"/>
+          <a:blip r:embed="rId2"/>
           <a:srcRect/>
           <a:stretch>
             <a:fillRect/>
@@ -6947,7 +7092,14 @@
         <p:cNvGrpSpPr/>
         <p:nvPr/>
       </p:nvGrpSpPr>
-      <p:grpSpPr/>
+      <p:grpSpPr>
+        <a:xfrm>
+          <a:off x="0" y="0"/>
+          <a:ext cx="0" cy="0"/>
+          <a:chOff x="0" y="0"/>
+          <a:chExt cx="0" cy="0"/>
+        </a:xfrm>
+      </p:grpSpPr>
       <p:sp>
         <p:nvSpPr>
           <p:cNvPr id="51202" name="Title 1"/>
@@ -6963,6 +7115,7 @@
           <a:bodyPr vert="horz" wrap="square" lIns="91440" tIns="45720" rIns="91440" bIns="45720" anchor="ctr" anchorCtr="0">
             <a:normAutofit fontScale="90000"/>
           </a:bodyPr>
+          <a:lstStyle/>
           <a:p>
             <a:r>
               <a:rPr dirty="0"/>
@@ -6975,7 +7128,6 @@
               <a:rPr dirty="0"/>
               <a:t>(E-R to DATABASE)</a:t>
             </a:r>
-            <a:endParaRPr dirty="0"/>
           </a:p>
         </p:txBody>
       </p:sp>
@@ -6990,7 +7142,7 @@
           </p:nvPr>
         </p:nvPicPr>
         <p:blipFill>
-          <a:blip r:embed="rId1"/>
+          <a:blip r:embed="rId2"/>
           <a:srcRect/>
           <a:stretch>
             <a:fillRect/>
@@ -7020,7 +7172,14 @@
         <p:cNvGrpSpPr/>
         <p:nvPr/>
       </p:nvGrpSpPr>
-      <p:grpSpPr/>
+      <p:grpSpPr>
+        <a:xfrm>
+          <a:off x="0" y="0"/>
+          <a:ext cx="0" cy="0"/>
+          <a:chOff x="0" y="0"/>
+          <a:chExt cx="0" cy="0"/>
+        </a:xfrm>
+      </p:grpSpPr>
       <p:sp>
         <p:nvSpPr>
           <p:cNvPr id="50178" name="Title 1"/>
@@ -7036,6 +7195,7 @@
           <a:bodyPr vert="horz" wrap="square" lIns="91440" tIns="45720" rIns="91440" bIns="45720" anchor="ctr" anchorCtr="0">
             <a:normAutofit fontScale="90000"/>
           </a:bodyPr>
+          <a:lstStyle/>
           <a:p>
             <a:r>
               <a:rPr dirty="0"/>
@@ -7048,7 +7208,6 @@
               <a:rPr dirty="0"/>
               <a:t>Solution</a:t>
             </a:r>
-            <a:endParaRPr dirty="0"/>
           </a:p>
         </p:txBody>
       </p:sp>
@@ -7063,7 +7222,7 @@
           </p:nvPr>
         </p:nvPicPr>
         <p:blipFill>
-          <a:blip r:embed="rId1"/>
+          <a:blip r:embed="rId2"/>
           <a:srcRect/>
           <a:stretch>
             <a:fillRect/>
@@ -7093,7 +7252,14 @@
         <p:cNvGrpSpPr/>
         <p:nvPr/>
       </p:nvGrpSpPr>
-      <p:grpSpPr/>
+      <p:grpSpPr>
+        <a:xfrm>
+          <a:off x="0" y="0"/>
+          <a:ext cx="0" cy="0"/>
+          <a:chOff x="0" y="0"/>
+          <a:chExt cx="0" cy="0"/>
+        </a:xfrm>
+      </p:grpSpPr>
       <p:sp>
         <p:nvSpPr>
           <p:cNvPr id="51202" name="Title 1"/>
@@ -7109,6 +7275,7 @@
           <a:bodyPr vert="horz" wrap="square" lIns="91440" tIns="45720" rIns="91440" bIns="45720" anchor="ctr" anchorCtr="0">
             <a:normAutofit fontScale="90000"/>
           </a:bodyPr>
+          <a:lstStyle/>
           <a:p>
             <a:r>
               <a:rPr dirty="0"/>
@@ -7121,7 +7288,6 @@
               <a:rPr dirty="0"/>
               <a:t>(E-R to DATABASE)</a:t>
             </a:r>
-            <a:endParaRPr dirty="0"/>
           </a:p>
         </p:txBody>
       </p:sp>
@@ -7136,7 +7302,7 @@
           </p:nvPr>
         </p:nvPicPr>
         <p:blipFill>
-          <a:blip r:embed="rId1"/>
+          <a:blip r:embed="rId2"/>
           <a:srcRect/>
           <a:stretch>
             <a:fillRect/>
@@ -7166,7 +7332,14 @@
         <p:cNvGrpSpPr/>
         <p:nvPr/>
       </p:nvGrpSpPr>
-      <p:grpSpPr/>
+      <p:grpSpPr>
+        <a:xfrm>
+          <a:off x="0" y="0"/>
+          <a:ext cx="0" cy="0"/>
+          <a:chOff x="0" y="0"/>
+          <a:chExt cx="0" cy="0"/>
+        </a:xfrm>
+      </p:grpSpPr>
       <p:sp>
         <p:nvSpPr>
           <p:cNvPr id="52226" name="Title 1"/>
@@ -7185,6 +7358,7 @@
         </p:spPr>
         <p:txBody>
           <a:bodyPr vert="horz" wrap="square" lIns="91440" tIns="45720" rIns="91440" bIns="45720" anchor="ctr" anchorCtr="0"/>
+          <a:lstStyle/>
           <a:p>
             <a:pPr>
               <a:buNone/>
@@ -7215,7 +7389,7 @@
           </p:nvPr>
         </p:nvPicPr>
         <p:blipFill>
-          <a:blip r:embed="rId1"/>
+          <a:blip r:embed="rId2"/>
           <a:srcRect/>
           <a:stretch>
             <a:fillRect/>
@@ -7245,7 +7419,14 @@
         <p:cNvGrpSpPr/>
         <p:nvPr/>
       </p:nvGrpSpPr>
-      <p:grpSpPr/>
+      <p:grpSpPr>
+        <a:xfrm>
+          <a:off x="0" y="0"/>
+          <a:ext cx="0" cy="0"/>
+          <a:chOff x="0" y="0"/>
+          <a:chExt cx="0" cy="0"/>
+        </a:xfrm>
+      </p:grpSpPr>
       <p:sp>
         <p:nvSpPr>
           <p:cNvPr id="2" name="Title 1"/>
@@ -7259,12 +7440,12 @@
         <p:spPr/>
         <p:txBody>
           <a:bodyPr/>
+          <a:lstStyle/>
           <a:p>
             <a:r>
               <a:rPr lang="en-US"/>
               <a:t>Sample Question</a:t>
             </a:r>
-            <a:endParaRPr lang="en-US"/>
           </a:p>
         </p:txBody>
       </p:sp>
@@ -7283,59 +7464,54 @@
           <a:bodyPr>
             <a:normAutofit lnSpcReduction="20000"/>
           </a:bodyPr>
+          <a:lstStyle/>
           <a:p>
             <a:r>
               <a:rPr lang="en-US"/>
               <a:t>Consider the following tables:</a:t>
             </a:r>
+          </a:p>
+          <a:p>
+            <a:r>
+              <a:rPr lang="en-US"/>
+              <a:t>Course (Course_id,Course_name)</a:t>
+            </a:r>
+          </a:p>
+          <a:p>
             <a:endParaRPr lang="en-US"/>
           </a:p>
           <a:p>
             <a:r>
               <a:rPr lang="en-US"/>
-              <a:t>Course (Course_id,Course_name)</a:t>
-            </a:r>
+              <a:t>Teacher (Teacher_id,Teacher_name)</a:t>
+            </a:r>
+          </a:p>
+          <a:p>
             <a:endParaRPr lang="en-US"/>
           </a:p>
           <a:p>
+            <a:r>
+              <a:rPr lang="en-US"/>
+              <a:t>Assigned_to (Teacher_id, Course_id)</a:t>
+            </a:r>
+          </a:p>
+          <a:p>
             <a:endParaRPr lang="en-US"/>
           </a:p>
           <a:p>
             <a:r>
               <a:rPr lang="en-US"/>
-              <a:t>Teacher (Teacher_id,Teacher_name)</a:t>
-            </a:r>
+              <a:t>a) How many tables will be created using the above scenario?</a:t>
+            </a:r>
+          </a:p>
+          <a:p>
             <a:endParaRPr lang="en-US"/>
           </a:p>
           <a:p>
-            <a:endParaRPr lang="en-US"/>
-          </a:p>
-          <a:p>
-            <a:r>
-              <a:rPr lang="en-US"/>
-              <a:t>Assigned_to (Teacher_id, Course_id)</a:t>
-            </a:r>
-            <a:endParaRPr lang="en-US"/>
-          </a:p>
-          <a:p>
-            <a:endParaRPr lang="en-US"/>
-          </a:p>
-          <a:p>
-            <a:r>
-              <a:rPr lang="en-US"/>
-              <a:t>a) How many tables will be created using the above scenario?</a:t>
-            </a:r>
-            <a:endParaRPr lang="en-US"/>
-          </a:p>
-          <a:p>
-            <a:endParaRPr lang="en-US"/>
-          </a:p>
-          <a:p>
             <a:r>
               <a:rPr lang="en-US"/>
               <a:t>b) What will be the foreign key?</a:t>
             </a:r>
-            <a:endParaRPr lang="en-US"/>
           </a:p>
         </p:txBody>
       </p:sp>
@@ -7356,7 +7532,14 @@
         <p:cNvGrpSpPr/>
         <p:nvPr/>
       </p:nvGrpSpPr>
-      <p:grpSpPr/>
+      <p:grpSpPr>
+        <a:xfrm>
+          <a:off x="0" y="0"/>
+          <a:ext cx="0" cy="0"/>
+          <a:chOff x="0" y="0"/>
+          <a:chExt cx="0" cy="0"/>
+        </a:xfrm>
+      </p:grpSpPr>
       <p:sp>
         <p:nvSpPr>
           <p:cNvPr id="2" name="Title 1"/>
@@ -7372,12 +7555,12 @@
           <a:bodyPr>
             <a:normAutofit/>
           </a:bodyPr>
+          <a:lstStyle/>
           <a:p>
             <a:r>
               <a:rPr lang="en-US"/>
               <a:t>Example</a:t>
             </a:r>
-            <a:endParaRPr lang="en-US"/>
           </a:p>
         </p:txBody>
       </p:sp>
@@ -7385,14 +7568,14 @@
         <p:nvPicPr>
           <p:cNvPr id="4" name="Content Placeholder 3"/>
           <p:cNvPicPr>
-            <a:picLocks noChangeAspect="1"/>
+            <a:picLocks noGrp="1" noChangeAspect="1"/>
           </p:cNvPicPr>
           <p:nvPr>
             <p:ph idx="1"/>
           </p:nvPr>
         </p:nvPicPr>
         <p:blipFill>
-          <a:blip r:embed="rId1"/>
+          <a:blip r:embed="rId2"/>
           <a:stretch>
             <a:fillRect/>
           </a:stretch>
@@ -7424,7 +7607,14 @@
         <p:cNvGrpSpPr/>
         <p:nvPr/>
       </p:nvGrpSpPr>
-      <p:grpSpPr/>
+      <p:grpSpPr>
+        <a:xfrm>
+          <a:off x="0" y="0"/>
+          <a:ext cx="0" cy="0"/>
+          <a:chOff x="0" y="0"/>
+          <a:chExt cx="0" cy="0"/>
+        </a:xfrm>
+      </p:grpSpPr>
       <p:sp>
         <p:nvSpPr>
           <p:cNvPr id="2" name="Title 1"/>
@@ -7440,6 +7630,7 @@
           <a:bodyPr>
             <a:normAutofit fontScale="90000"/>
           </a:bodyPr>
+          <a:lstStyle/>
           <a:p>
             <a:r>
               <a:rPr lang="en-US" altLang="en-US" b="1">
@@ -7461,7 +7652,6 @@
               <a:rPr lang="en-US" altLang="en-US"/>
               <a:t> For Strong Entity Set With Composite Attributes-</a:t>
             </a:r>
-            <a:endParaRPr lang="en-US" altLang="en-US"/>
           </a:p>
         </p:txBody>
       </p:sp>
@@ -7480,6 +7670,7 @@
           <a:bodyPr>
             <a:normAutofit/>
           </a:bodyPr>
+          <a:lstStyle/>
           <a:p>
             <a:r>
               <a:rPr lang="en-US" altLang="en-US">
@@ -7505,10 +7696,6 @@
               </a:rPr>
               <a:t> in relational model.</a:t>
             </a:r>
-            <a:endParaRPr lang="en-US" altLang="en-US">
-              <a:latin typeface="Times New Roman" panose="02020603050405020304" pitchFamily="18" charset="0"/>
-              <a:cs typeface="Times New Roman" panose="02020603050405020304" pitchFamily="18" charset="0"/>
-            </a:endParaRPr>
           </a:p>
           <a:p>
             <a:endParaRPr lang="en-US" altLang="en-US">
@@ -7541,10 +7728,6 @@
               </a:rPr>
               <a:t> and not the composite attribute itself.</a:t>
             </a:r>
-            <a:endParaRPr lang="en-US" altLang="en-US">
-              <a:latin typeface="Times New Roman" panose="02020603050405020304" pitchFamily="18" charset="0"/>
-              <a:cs typeface="Times New Roman" panose="02020603050405020304" pitchFamily="18" charset="0"/>
-            </a:endParaRPr>
           </a:p>
         </p:txBody>
       </p:sp>
@@ -7565,7 +7748,14 @@
         <p:cNvGrpSpPr/>
         <p:nvPr/>
       </p:nvGrpSpPr>
-      <p:grpSpPr/>
+      <p:grpSpPr>
+        <a:xfrm>
+          <a:off x="0" y="0"/>
+          <a:ext cx="0" cy="0"/>
+          <a:chOff x="0" y="0"/>
+          <a:chExt cx="0" cy="0"/>
+        </a:xfrm>
+      </p:grpSpPr>
       <p:sp>
         <p:nvSpPr>
           <p:cNvPr id="2" name="Title 1"/>
@@ -7581,12 +7771,12 @@
           <a:bodyPr>
             <a:normAutofit/>
           </a:bodyPr>
+          <a:lstStyle/>
           <a:p>
             <a:r>
               <a:rPr lang="en-US"/>
               <a:t>Example</a:t>
             </a:r>
-            <a:endParaRPr lang="en-US"/>
           </a:p>
         </p:txBody>
       </p:sp>
@@ -7594,14 +7784,14 @@
         <p:nvPicPr>
           <p:cNvPr id="5" name="Content Placeholder 4"/>
           <p:cNvPicPr>
-            <a:picLocks noChangeAspect="1"/>
+            <a:picLocks noGrp="1" noChangeAspect="1"/>
           </p:cNvPicPr>
           <p:nvPr>
             <p:ph idx="1"/>
           </p:nvPr>
         </p:nvPicPr>
         <p:blipFill>
-          <a:blip r:embed="rId1"/>
+          <a:blip r:embed="rId2"/>
           <a:stretch>
             <a:fillRect/>
           </a:stretch>
@@ -7633,7 +7823,14 @@
         <p:cNvGrpSpPr/>
         <p:nvPr/>
       </p:nvGrpSpPr>
-      <p:grpSpPr/>
+      <p:grpSpPr>
+        <a:xfrm>
+          <a:off x="0" y="0"/>
+          <a:ext cx="0" cy="0"/>
+          <a:chOff x="0" y="0"/>
+          <a:chExt cx="0" cy="0"/>
+        </a:xfrm>
+      </p:grpSpPr>
       <p:sp>
         <p:nvSpPr>
           <p:cNvPr id="2" name="Title 1"/>
@@ -7649,6 +7846,7 @@
           <a:bodyPr>
             <a:normAutofit fontScale="90000"/>
           </a:bodyPr>
+          <a:lstStyle/>
           <a:p>
             <a:r>
               <a:rPr lang="en-US" altLang="en-US" b="1">
@@ -7670,7 +7868,6 @@
               <a:rPr lang="en-US" altLang="en-US"/>
               <a:t>For Strong Entity Set With Multi Valued Attributes-</a:t>
             </a:r>
-            <a:endParaRPr lang="en-US" altLang="en-US"/>
           </a:p>
         </p:txBody>
       </p:sp>
@@ -7689,6 +7886,7 @@
           <a:bodyPr>
             <a:normAutofit/>
           </a:bodyPr>
+          <a:lstStyle/>
           <a:p>
             <a:r>
               <a:rPr lang="en-US" altLang="en-US">
@@ -7731,10 +7929,6 @@
               </a:rPr>
               <a:t> in relational model.</a:t>
             </a:r>
-            <a:endParaRPr lang="en-US" altLang="en-US">
-              <a:latin typeface="Times New Roman" panose="02020603050405020304" pitchFamily="18" charset="0"/>
-              <a:cs typeface="Times New Roman" panose="02020603050405020304" pitchFamily="18" charset="0"/>
-            </a:endParaRPr>
           </a:p>
           <a:p>
             <a:endParaRPr lang="en-US" altLang="en-US">
@@ -7750,10 +7944,6 @@
               </a:rPr>
               <a:t>One table will contain all the simple attributes with the primary key.</a:t>
             </a:r>
-            <a:endParaRPr lang="en-US" altLang="en-US">
-              <a:latin typeface="Times New Roman" panose="02020603050405020304" pitchFamily="18" charset="0"/>
-              <a:cs typeface="Times New Roman" panose="02020603050405020304" pitchFamily="18" charset="0"/>
-            </a:endParaRPr>
           </a:p>
           <a:p>
             <a:r>
@@ -7773,13 +7963,6 @@
               </a:rPr>
               <a:t>Foreign Key</a:t>
             </a:r>
-            <a:endParaRPr lang="en-US" altLang="en-US">
-              <a:solidFill>
-                <a:srgbClr val="FF0000"/>
-              </a:solidFill>
-              <a:latin typeface="Times New Roman" panose="02020603050405020304" pitchFamily="18" charset="0"/>
-              <a:cs typeface="Times New Roman" panose="02020603050405020304" pitchFamily="18" charset="0"/>
-            </a:endParaRPr>
           </a:p>
         </p:txBody>
       </p:sp>
@@ -7800,7 +7983,14 @@
         <p:cNvGrpSpPr/>
         <p:nvPr/>
       </p:nvGrpSpPr>
-      <p:grpSpPr/>
+      <p:grpSpPr>
+        <a:xfrm>
+          <a:off x="0" y="0"/>
+          <a:ext cx="0" cy="0"/>
+          <a:chOff x="0" y="0"/>
+          <a:chExt cx="0" cy="0"/>
+        </a:xfrm>
+      </p:grpSpPr>
       <p:sp>
         <p:nvSpPr>
           <p:cNvPr id="2" name="Title 1"/>
@@ -7816,12 +8006,12 @@
           <a:bodyPr>
             <a:normAutofit/>
           </a:bodyPr>
+          <a:lstStyle/>
           <a:p>
             <a:r>
               <a:rPr lang="en-US"/>
               <a:t>Example</a:t>
             </a:r>
-            <a:endParaRPr lang="en-US"/>
           </a:p>
         </p:txBody>
       </p:sp>
@@ -7829,14 +8019,14 @@
         <p:nvPicPr>
           <p:cNvPr id="5" name="Content Placeholder 4"/>
           <p:cNvPicPr>
-            <a:picLocks noChangeAspect="1"/>
+            <a:picLocks noGrp="1" noChangeAspect="1"/>
           </p:cNvPicPr>
           <p:nvPr>
             <p:ph idx="1"/>
           </p:nvPr>
         </p:nvPicPr>
         <p:blipFill>
-          <a:blip r:embed="rId1"/>
+          <a:blip r:embed="rId2"/>
           <a:stretch>
             <a:fillRect/>
           </a:stretch>
@@ -8110,6 +8300,8 @@
       </a:bgFillStyleLst>
     </a:fmtScheme>
   </a:themeElements>
+  <a:objectDefaults/>
+  <a:extraClrSchemeLst/>
   <a:extLst>
     <a:ext uri="{05A4C25C-085E-4340-85A3-A5531E510DB2}">
       <thm15:themeFamily xmlns:thm15="http://schemas.microsoft.com/office/thememl/2012/main" name="Office Theme" id="{62F939B6-93AF-4DB8-9C6B-D6C7DFDC589F}" vid="{4A3C46E8-61CC-4603-A589-7422A47A8E4A}"/>
@@ -8398,6 +8590,8 @@
       </a:bgFillStyleLst>
     </a:fmtScheme>
   </a:themeElements>
+  <a:objectDefaults/>
+  <a:extraClrSchemeLst/>
   <a:extLst>
     <a:ext uri="{05A4C25C-085E-4340-85A3-A5531E510DB2}">
       <thm15:themeFamily xmlns:thm15="http://schemas.microsoft.com/office/thememl/2012/main" name="Office Theme" id="{62F939B6-93AF-4DB8-9C6B-D6C7DFDC589F}" vid="{4A3C46E8-61CC-4603-A589-7422A47A8E4A}"/>
